--- a/ShipBunkerWindowsService/Documentation/WebScraperPresentation.pptx
+++ b/ShipBunkerWindowsService/Documentation/WebScraperPresentation.pptx
@@ -5,15 +5,18 @@
     <p:sldMasterId id="2147483648" r:id="rId1"/>
   </p:sldMasterIdLst>
   <p:notesMasterIdLst>
-    <p:notesMasterId r:id="rId8"/>
+    <p:notesMasterId r:id="rId11"/>
   </p:notesMasterIdLst>
   <p:sldIdLst>
     <p:sldId id="256" r:id="rId2"/>
     <p:sldId id="257" r:id="rId3"/>
     <p:sldId id="258" r:id="rId4"/>
     <p:sldId id="259" r:id="rId5"/>
-    <p:sldId id="260" r:id="rId6"/>
-    <p:sldId id="261" r:id="rId7"/>
+    <p:sldId id="264" r:id="rId6"/>
+    <p:sldId id="260" r:id="rId7"/>
+    <p:sldId id="261" r:id="rId8"/>
+    <p:sldId id="262" r:id="rId9"/>
+    <p:sldId id="263" r:id="rId10"/>
   </p:sldIdLst>
   <p:sldSz cx="12192000" cy="6858000"/>
   <p:notesSz cx="6858000" cy="9144000"/>
@@ -3774,7 +3777,7 @@
         </p:nvSpPr>
         <p:spPr>
           <a:xfrm>
-            <a:off x="0" y="1180123"/>
+            <a:off x="0" y="977899"/>
             <a:ext cx="12192000" cy="461665"/>
           </a:xfrm>
           <a:prstGeom prst="rect">
@@ -3823,8 +3826,8 @@
         </p:nvSpPr>
         <p:spPr>
           <a:xfrm>
-            <a:off x="0" y="2586892"/>
-            <a:ext cx="6096000" cy="2893100"/>
+            <a:off x="0" y="2032000"/>
+            <a:ext cx="6096000" cy="3293209"/>
           </a:xfrm>
           <a:prstGeom prst="rect">
             <a:avLst/>
@@ -3838,18 +3841,18 @@
           <a:lstStyle/>
           <a:p>
             <a:r>
-              <a:rPr lang="en-US" sz="1400" b="1" dirty="0"/>
+              <a:rPr lang="en-US" sz="1600" b="1" dirty="0"/>
               <a:t>Web scraping(w.s)</a:t>
             </a:r>
             <a:r>
-              <a:rPr lang="en-US" sz="1400" dirty="0"/>
-              <a:t> is a data scraping technique used for extracting data from websites. Web scraping software may directly access one or multiple websites to gather valuable information (publicly available) for commercial or research purposes. It is a form of copying in which specific data is gathered and copied from the web, typically into a central local database or spreadsheet, for later retrieval or analysis.</a:t>
-            </a:r>
-          </a:p>
-          <a:p>
-            <a:r>
-              <a:rPr lang="en-US" sz="1400" dirty="0"/>
-              <a:t>Scraping a web page involves fetching it and extracting from it. Fetching is the downloading of a page (which a browser does when a user views a page). Web scrapers typically take something out of a page, to make use of it for another purpose somewhere else. There are 3 main scraping methods:</a:t>
+              <a:rPr lang="en-US" sz="1600" dirty="0"/>
+              <a:t> is a data gathering technique used for extracting information from websites. Web scraping software may directly access one or multiple websites to gather valuable, publicly available information for commercial or research purposes. It is a form of copying in which specific data is gathered and copied from the web, typically into a central local database or spreadsheet, for later retrieval or analysis.</a:t>
+            </a:r>
+          </a:p>
+          <a:p>
+            <a:r>
+              <a:rPr lang="en-US" sz="1600" dirty="0"/>
+              <a:t>Web scrapers typically take something out of a page, to make use of it for another purpose somewhere else. There are 3 main scraping methods:</a:t>
             </a:r>
           </a:p>
           <a:p>
@@ -3858,7 +3861,7 @@
               <a:buAutoNum type="arabicPeriod"/>
             </a:pPr>
             <a:r>
-              <a:rPr lang="en-US" sz="1400" dirty="0"/>
+              <a:rPr lang="en-US" sz="1600" dirty="0"/>
               <a:t>Screen scraping </a:t>
             </a:r>
           </a:p>
@@ -3868,7 +3871,7 @@
               <a:buAutoNum type="arabicPeriod"/>
             </a:pPr>
             <a:r>
-              <a:rPr lang="en-US" sz="1400" dirty="0"/>
+              <a:rPr lang="en-US" sz="1600" dirty="0"/>
               <a:t>Dynamic Scraping </a:t>
             </a:r>
           </a:p>
@@ -3878,7 +3881,7 @@
               <a:buAutoNum type="arabicPeriod"/>
             </a:pPr>
             <a:r>
-              <a:rPr lang="en-US" sz="1400" dirty="0">
+              <a:rPr lang="en-US" sz="1600" dirty="0">
                 <a:solidFill>
                   <a:srgbClr val="C00000"/>
                 </a:solidFill>
@@ -3886,7 +3889,7 @@
               <a:t>Static scraping </a:t>
             </a:r>
             <a:r>
-              <a:rPr lang="en-US" sz="1400" dirty="0">
+              <a:rPr lang="en-US" sz="1600" dirty="0">
                 <a:solidFill>
                   <a:srgbClr val="C00000"/>
                 </a:solidFill>
@@ -3894,7 +3897,7 @@
               </a:rPr>
               <a:t> this case</a:t>
             </a:r>
-            <a:endParaRPr lang="en-US" sz="1400" dirty="0">
+            <a:endParaRPr lang="en-US" sz="1600" dirty="0">
               <a:solidFill>
                 <a:srgbClr val="C00000"/>
               </a:solidFill>
@@ -3916,8 +3919,8 @@
         </p:nvSpPr>
         <p:spPr>
           <a:xfrm>
-            <a:off x="6299202" y="2032000"/>
-            <a:ext cx="5642707" cy="3662541"/>
+            <a:off x="6096000" y="2032000"/>
+            <a:ext cx="5642707" cy="4308872"/>
           </a:xfrm>
           <a:prstGeom prst="rect">
             <a:avLst/>
@@ -3949,21 +3952,21 @@
           </a:p>
           <a:p>
             <a:r>
-              <a:rPr lang="en-US" sz="1400" dirty="0"/>
+              <a:rPr lang="en-US" sz="1600" dirty="0"/>
               <a:t>Static web scraping involves the gathering of static elements of a website, like tables or plain text. It is a the most basic form of web scraping, since the elements do not change with user activity or events and popups.</a:t>
             </a:r>
           </a:p>
           <a:p>
             <a:r>
-              <a:rPr lang="en-US" sz="1400" dirty="0"/>
+              <a:rPr lang="en-US" sz="1600" dirty="0"/>
               <a:t>It involves all the same procedures as any other form of </a:t>
             </a:r>
             <a:r>
-              <a:rPr lang="en-US" sz="1400" dirty="0" err="1"/>
+              <a:rPr lang="en-US" sz="1600" dirty="0" err="1"/>
               <a:t>w.s</a:t>
             </a:r>
             <a:r>
-              <a:rPr lang="en-US" sz="1400" dirty="0"/>
+              <a:rPr lang="en-US" sz="1600" dirty="0"/>
               <a:t>:</a:t>
             </a:r>
           </a:p>
@@ -3973,8 +3976,20 @@
               <a:buChar char="•"/>
             </a:pPr>
             <a:r>
-              <a:rPr lang="en-US" sz="1400" dirty="0"/>
-              <a:t>First, we fetch a website through its URL</a:t>
+              <a:rPr lang="en-US" sz="1600" dirty="0"/>
+              <a:t>First, we </a:t>
+            </a:r>
+            <a:r>
+              <a:rPr lang="en-US" sz="1600" dirty="0">
+                <a:solidFill>
+                  <a:srgbClr val="C00000"/>
+                </a:solidFill>
+              </a:rPr>
+              <a:t>fetch</a:t>
+            </a:r>
+            <a:r>
+              <a:rPr lang="en-US" sz="1600" dirty="0"/>
+              <a:t> a website through its URL</a:t>
             </a:r>
           </a:p>
           <a:p>
@@ -3983,8 +3998,20 @@
               <a:buChar char="•"/>
             </a:pPr>
             <a:r>
-              <a:rPr lang="en-US" sz="1400" dirty="0"/>
-              <a:t>Second, we load it into an Html Document, which is an appropriate form for the scraping to take place</a:t>
+              <a:rPr lang="en-US" sz="1600" dirty="0"/>
+              <a:t>Second, we </a:t>
+            </a:r>
+            <a:r>
+              <a:rPr lang="en-US" sz="1600" dirty="0">
+                <a:solidFill>
+                  <a:srgbClr val="C00000"/>
+                </a:solidFill>
+              </a:rPr>
+              <a:t>load</a:t>
+            </a:r>
+            <a:r>
+              <a:rPr lang="en-US" sz="1600" dirty="0"/>
+              <a:t> it into an Html Document, which is an appropriate form for the scraping to take place</a:t>
             </a:r>
           </a:p>
           <a:p>
@@ -3993,8 +4020,20 @@
               <a:buChar char="•"/>
             </a:pPr>
             <a:r>
-              <a:rPr lang="en-US" sz="1400" dirty="0"/>
-              <a:t>We select via Xpath signature, the particular element we want to gather data from</a:t>
+              <a:rPr lang="en-US" sz="1600" dirty="0"/>
+              <a:t>We select via </a:t>
+            </a:r>
+            <a:r>
+              <a:rPr lang="en-US" sz="1600" dirty="0">
+                <a:solidFill>
+                  <a:srgbClr val="C00000"/>
+                </a:solidFill>
+              </a:rPr>
+              <a:t>Xpath signature</a:t>
+            </a:r>
+            <a:r>
+              <a:rPr lang="en-US" sz="1600" dirty="0"/>
+              <a:t>, the particular element we want to gather data from</a:t>
             </a:r>
           </a:p>
           <a:p>
@@ -4003,8 +4042,16 @@
               <a:buChar char="•"/>
             </a:pPr>
             <a:r>
-              <a:rPr lang="en-US" sz="1400" dirty="0"/>
-              <a:t>Perform the scraping and gathering of the data into an appropriate data structure (e.g. List)</a:t>
+              <a:rPr lang="en-US" sz="1600" dirty="0">
+                <a:solidFill>
+                  <a:srgbClr val="C00000"/>
+                </a:solidFill>
+              </a:rPr>
+              <a:t>Perform the scraping </a:t>
+            </a:r>
+            <a:r>
+              <a:rPr lang="en-US" sz="1600" dirty="0"/>
+              <a:t>and gathering of the data into an appropriate data structure (e.g. List)</a:t>
             </a:r>
           </a:p>
           <a:p>
@@ -4013,8 +4060,16 @@
               <a:buChar char="•"/>
             </a:pPr>
             <a:r>
-              <a:rPr lang="en-US" sz="1400" dirty="0"/>
-              <a:t>Export the results of the process, formatted or not, into a file format of your choice (e.g a Csv file) or a database.</a:t>
+              <a:rPr lang="en-US" sz="1600" dirty="0">
+                <a:solidFill>
+                  <a:srgbClr val="C00000"/>
+                </a:solidFill>
+              </a:rPr>
+              <a:t>Export the results</a:t>
+            </a:r>
+            <a:r>
+              <a:rPr lang="en-US" sz="1600" dirty="0"/>
+              <a:t> of the process, formatted or not, into a file format of your choice (e.g a Csv file) or a database.</a:t>
             </a:r>
           </a:p>
           <a:p>
@@ -4133,8 +4188,8 @@
         </p:blipFill>
         <p:spPr>
           <a:xfrm>
-            <a:off x="8548089" y="1837172"/>
-            <a:ext cx="2798127" cy="1919751"/>
+            <a:off x="8548088" y="1443862"/>
+            <a:ext cx="3518865" cy="2313061"/>
           </a:xfrm>
           <a:prstGeom prst="rect">
             <a:avLst/>
@@ -4169,8 +4224,8 @@
         </p:blipFill>
         <p:spPr>
           <a:xfrm>
-            <a:off x="140677" y="1837172"/>
-            <a:ext cx="4423117" cy="4336981"/>
+            <a:off x="1" y="1443862"/>
+            <a:ext cx="4573942" cy="4721083"/>
           </a:xfrm>
           <a:prstGeom prst="rect">
             <a:avLst/>
@@ -4204,8 +4259,8 @@
         </p:blipFill>
         <p:spPr>
           <a:xfrm>
-            <a:off x="8548090" y="4150233"/>
-            <a:ext cx="2798126" cy="2023919"/>
+            <a:off x="8548089" y="3688862"/>
+            <a:ext cx="3518864" cy="2711938"/>
           </a:xfrm>
           <a:prstGeom prst="rect">
             <a:avLst/>
@@ -4226,8 +4281,8 @@
         </p:nvSpPr>
         <p:spPr>
           <a:xfrm>
-            <a:off x="4704862" y="1969477"/>
-            <a:ext cx="3712307" cy="3323987"/>
+            <a:off x="4704862" y="1597709"/>
+            <a:ext cx="3712307" cy="4278094"/>
           </a:xfrm>
           <a:prstGeom prst="rect">
             <a:avLst/>
@@ -4241,11 +4296,11 @@
           <a:lstStyle/>
           <a:p>
             <a:r>
-              <a:rPr lang="en-US" sz="1400" dirty="0"/>
+              <a:rPr lang="en-US" sz="1600" dirty="0"/>
               <a:t>(Left)The website I chose to collect data from is called </a:t>
             </a:r>
             <a:r>
-              <a:rPr lang="en-US" sz="1400" dirty="0">
+              <a:rPr lang="en-US" sz="1600" dirty="0">
                 <a:solidFill>
                   <a:srgbClr val="C00000"/>
                 </a:solidFill>
@@ -4253,26 +4308,26 @@
               <a:t>shipandbunker.com </a:t>
             </a:r>
             <a:r>
-              <a:rPr lang="en-US" sz="1400" dirty="0"/>
+              <a:rPr lang="en-US" sz="1600" dirty="0"/>
               <a:t>and provides financial</a:t>
             </a:r>
           </a:p>
           <a:p>
             <a:r>
-              <a:rPr lang="en-US" sz="1400" dirty="0"/>
+              <a:rPr lang="en-US" sz="1600" dirty="0"/>
               <a:t>Info about oil and bunkering prices in ports, all around the world.</a:t>
             </a:r>
           </a:p>
           <a:p>
-            <a:endParaRPr lang="en-US" sz="1400" dirty="0"/>
-          </a:p>
-          <a:p>
-            <a:r>
-              <a:rPr lang="en-US" sz="1400" dirty="0"/>
+            <a:endParaRPr lang="en-US" sz="1600" dirty="0"/>
+          </a:p>
+          <a:p>
+            <a:r>
+              <a:rPr lang="en-US" sz="1600" dirty="0"/>
               <a:t>Specifically, I scraped 2 tables from the </a:t>
             </a:r>
             <a:r>
-              <a:rPr lang="en-US" sz="1400" dirty="0">
+              <a:rPr lang="en-US" sz="1600" dirty="0">
                 <a:solidFill>
                   <a:srgbClr val="C00000"/>
                 </a:solidFill>
@@ -4280,26 +4335,26 @@
               <a:t>Global Average section</a:t>
             </a:r>
             <a:r>
-              <a:rPr lang="en-US" sz="1400" dirty="0"/>
+              <a:rPr lang="en-US" sz="1600" dirty="0"/>
               <a:t>(right), that presented the price, change, high and low and spread. </a:t>
             </a:r>
           </a:p>
           <a:p>
             <a:r>
-              <a:rPr lang="en-US" sz="1400" dirty="0"/>
+              <a:rPr lang="en-US" sz="1600" dirty="0"/>
               <a:t>The first table has data about Marine Gas Oil and the second about VLSFO Fuel Oil. </a:t>
             </a:r>
           </a:p>
           <a:p>
-            <a:endParaRPr lang="en-US" sz="1400" dirty="0"/>
-          </a:p>
-          <a:p>
-            <a:r>
-              <a:rPr lang="en-US" sz="1400" dirty="0"/>
+            <a:endParaRPr lang="en-US" sz="1600" dirty="0"/>
+          </a:p>
+          <a:p>
+            <a:r>
+              <a:rPr lang="en-US" sz="1600" dirty="0"/>
               <a:t>The </a:t>
             </a:r>
             <a:r>
-              <a:rPr lang="en-US" sz="1400" dirty="0">
+              <a:rPr lang="en-US" sz="1600" dirty="0">
                 <a:solidFill>
                   <a:srgbClr val="C00000"/>
                 </a:solidFill>
@@ -4307,10 +4362,10 @@
               <a:t>columns of interest </a:t>
             </a:r>
             <a:r>
-              <a:rPr lang="en-US" sz="1400" dirty="0"/>
+              <a:rPr lang="en-US" sz="1600" dirty="0"/>
               <a:t>in this case were the ones that had the date, the price $/mt and High Low. The red and green symbols were not scraped.</a:t>
             </a:r>
-            <a:endParaRPr lang="el-GR" sz="1400" dirty="0"/>
+            <a:endParaRPr lang="el-GR" sz="1600" dirty="0"/>
           </a:p>
         </p:txBody>
       </p:sp>
@@ -4346,6 +4401,194 @@
       </p:grpSpPr>
       <p:sp>
         <p:nvSpPr>
+          <p:cNvPr id="3" name="TextBox 2">
+            <a:extLst>
+              <a:ext uri="{FF2B5EF4-FFF2-40B4-BE49-F238E27FC236}">
+                <a16:creationId xmlns:a16="http://schemas.microsoft.com/office/drawing/2014/main" id="{07FF56B2-C981-4B0A-B1B1-9C13BEAF853A}"/>
+              </a:ext>
+            </a:extLst>
+          </p:cNvPr>
+          <p:cNvSpPr txBox="1"/>
+          <p:nvPr/>
+        </p:nvSpPr>
+        <p:spPr>
+          <a:xfrm>
+            <a:off x="0" y="1023816"/>
+            <a:ext cx="12192000" cy="461665"/>
+          </a:xfrm>
+          <a:prstGeom prst="rect">
+            <a:avLst/>
+          </a:prstGeom>
+          <a:noFill/>
+        </p:spPr>
+        <p:txBody>
+          <a:bodyPr wrap="square" rtlCol="0">
+            <a:spAutoFit/>
+          </a:bodyPr>
+          <a:lstStyle/>
+          <a:p>
+            <a:pPr algn="ctr"/>
+            <a:r>
+              <a:rPr lang="en-US" sz="2400" b="1" dirty="0">
+                <a:solidFill>
+                  <a:schemeClr val="accent1">
+                    <a:lumMod val="75000"/>
+                  </a:schemeClr>
+                </a:solidFill>
+              </a:rPr>
+              <a:t>								Data Inputs</a:t>
+            </a:r>
+            <a:endParaRPr lang="el-GR" sz="2400" b="1" dirty="0">
+              <a:solidFill>
+                <a:schemeClr val="accent1">
+                  <a:lumMod val="75000"/>
+                </a:schemeClr>
+              </a:solidFill>
+            </a:endParaRPr>
+          </a:p>
+        </p:txBody>
+      </p:sp>
+      <p:pic>
+        <p:nvPicPr>
+          <p:cNvPr id="4" name="Picture 3">
+            <a:extLst>
+              <a:ext uri="{FF2B5EF4-FFF2-40B4-BE49-F238E27FC236}">
+                <a16:creationId xmlns:a16="http://schemas.microsoft.com/office/drawing/2014/main" id="{012F6531-39D2-4FC9-9E2D-0C79846A155E}"/>
+              </a:ext>
+            </a:extLst>
+          </p:cNvPr>
+          <p:cNvPicPr>
+            <a:picLocks noChangeAspect="1"/>
+          </p:cNvPicPr>
+          <p:nvPr/>
+        </p:nvPicPr>
+        <p:blipFill rotWithShape="1">
+          <a:blip r:embed="rId2">
+            <a:extLst>
+              <a:ext uri="{28A0092B-C50C-407E-A947-70E740481C1C}">
+                <a14:useLocalDpi xmlns:a14="http://schemas.microsoft.com/office/drawing/2010/main" val="0"/>
+              </a:ext>
+            </a:extLst>
+          </a:blip>
+          <a:srcRect l="22140"/>
+          <a:stretch/>
+        </p:blipFill>
+        <p:spPr>
+          <a:xfrm>
+            <a:off x="125046" y="1485481"/>
+            <a:ext cx="7080739" cy="4704304"/>
+          </a:xfrm>
+          <a:prstGeom prst="rect">
+            <a:avLst/>
+          </a:prstGeom>
+        </p:spPr>
+      </p:pic>
+      <p:sp>
+        <p:nvSpPr>
+          <p:cNvPr id="5" name="TextBox 4">
+            <a:extLst>
+              <a:ext uri="{FF2B5EF4-FFF2-40B4-BE49-F238E27FC236}">
+                <a16:creationId xmlns:a16="http://schemas.microsoft.com/office/drawing/2014/main" id="{D805350F-9F2E-499E-B23B-6B55FABB6AFF}"/>
+              </a:ext>
+            </a:extLst>
+          </p:cNvPr>
+          <p:cNvSpPr txBox="1"/>
+          <p:nvPr/>
+        </p:nvSpPr>
+        <p:spPr>
+          <a:xfrm>
+            <a:off x="7330831" y="1570892"/>
+            <a:ext cx="4736123" cy="3785652"/>
+          </a:xfrm>
+          <a:prstGeom prst="rect">
+            <a:avLst/>
+          </a:prstGeom>
+          <a:noFill/>
+        </p:spPr>
+        <p:txBody>
+          <a:bodyPr wrap="square" rtlCol="0">
+            <a:spAutoFit/>
+          </a:bodyPr>
+          <a:lstStyle/>
+          <a:p>
+            <a:r>
+              <a:rPr lang="en-US" sz="1600" dirty="0"/>
+              <a:t>The vast majority of the data inputs required for the implementation of the service is handled and passed through the </a:t>
+            </a:r>
+            <a:r>
+              <a:rPr lang="en-US" sz="1600" dirty="0">
+                <a:solidFill>
+                  <a:srgbClr val="C00000"/>
+                </a:solidFill>
+              </a:rPr>
+              <a:t>appsettings.json </a:t>
+            </a:r>
+            <a:r>
+              <a:rPr lang="en-US" sz="1600" dirty="0"/>
+              <a:t>file of the project.</a:t>
+            </a:r>
+          </a:p>
+          <a:p>
+            <a:endParaRPr lang="en-US" sz="1600" dirty="0"/>
+          </a:p>
+          <a:p>
+            <a:r>
+              <a:rPr lang="en-US" sz="1600" dirty="0"/>
+              <a:t>In this json format, our data gets passed on as configurations in the initial stages of the process, matched with corresponding variables of the same name and then used to perform the tasks that require their use.</a:t>
+            </a:r>
+          </a:p>
+          <a:p>
+            <a:endParaRPr lang="en-US" sz="1600" dirty="0"/>
+          </a:p>
+          <a:p>
+            <a:r>
+              <a:rPr lang="en-US" sz="1600" dirty="0"/>
+              <a:t>This way, if we wanted to perform changes in our Windows Service, or have it run in multiple instances with different business requirements, we only have to change those settings, instead of modifying the </a:t>
+            </a:r>
+            <a:r>
+              <a:rPr lang="en-US" sz="1600"/>
+              <a:t>code  extensively</a:t>
+            </a:r>
+            <a:r>
+              <a:rPr lang="en-US" sz="1600" dirty="0"/>
+              <a:t>.  </a:t>
+            </a:r>
+            <a:endParaRPr lang="el-GR" sz="1600" dirty="0"/>
+          </a:p>
+        </p:txBody>
+      </p:sp>
+    </p:spTree>
+    <p:extLst>
+      <p:ext uri="{BB962C8B-B14F-4D97-AF65-F5344CB8AC3E}">
+        <p14:creationId xmlns:p14="http://schemas.microsoft.com/office/powerpoint/2010/main" val="3275273655"/>
+      </p:ext>
+    </p:extLst>
+  </p:cSld>
+  <p:clrMapOvr>
+    <a:masterClrMapping/>
+  </p:clrMapOvr>
+</p:sld>
+</file>
+
+<file path=ppt/slides/slide6.xml><?xml version="1.0" encoding="utf-8"?>
+<p:sld xmlns:a="http://schemas.openxmlformats.org/drawingml/2006/main" xmlns:r="http://schemas.openxmlformats.org/officeDocument/2006/relationships" xmlns:p="http://schemas.openxmlformats.org/presentationml/2006/main">
+  <p:cSld>
+    <p:spTree>
+      <p:nvGrpSpPr>
+        <p:cNvPr id="1" name=""/>
+        <p:cNvGrpSpPr/>
+        <p:nvPr/>
+      </p:nvGrpSpPr>
+      <p:grpSpPr>
+        <a:xfrm>
+          <a:off x="0" y="0"/>
+          <a:ext cx="0" cy="0"/>
+          <a:chOff x="0" y="0"/>
+          <a:chExt cx="0" cy="0"/>
+        </a:xfrm>
+      </p:grpSpPr>
+      <p:sp>
+        <p:nvSpPr>
           <p:cNvPr id="2" name="TextBox 1">
             <a:extLst>
               <a:ext uri="{FF2B5EF4-FFF2-40B4-BE49-F238E27FC236}">
@@ -4374,7 +4617,7 @@
           <a:p>
             <a:pPr algn="ctr"/>
             <a:r>
-              <a:rPr lang="en-US" sz="2400" dirty="0">
+              <a:rPr lang="en-US" sz="2400" b="1" dirty="0">
                 <a:solidFill>
                   <a:schemeClr val="accent1">
                     <a:lumMod val="75000"/>
@@ -4383,7 +4626,7 @@
               </a:rPr>
               <a:t>Worker Service and Logging </a:t>
             </a:r>
-            <a:endParaRPr lang="el-GR" sz="2400" dirty="0">
+            <a:endParaRPr lang="el-GR" sz="2400" b="1" dirty="0">
               <a:solidFill>
                 <a:schemeClr val="accent1">
                   <a:lumMod val="75000"/>
@@ -4407,8 +4650,8 @@
         </p:nvSpPr>
         <p:spPr>
           <a:xfrm>
-            <a:off x="234462" y="1767006"/>
-            <a:ext cx="4994031" cy="3323987"/>
+            <a:off x="171939" y="1767006"/>
+            <a:ext cx="4994031" cy="2739211"/>
           </a:xfrm>
           <a:prstGeom prst="rect">
             <a:avLst/>
@@ -4422,11 +4665,11 @@
           <a:lstStyle/>
           <a:p>
             <a:r>
-              <a:rPr lang="en-US" sz="1400" dirty="0"/>
+              <a:rPr lang="en-US" sz="1600" dirty="0"/>
               <a:t>The project was accomplished with the use of a </a:t>
             </a:r>
             <a:r>
-              <a:rPr lang="en-US" sz="1400" dirty="0">
+              <a:rPr lang="en-US" sz="1600" dirty="0">
                 <a:solidFill>
                   <a:srgbClr val="C00000"/>
                 </a:solidFill>
@@ -4434,35 +4677,13 @@
               <a:t>worker service </a:t>
             </a:r>
             <a:r>
-              <a:rPr lang="en-US" sz="1400" dirty="0"/>
-              <a:t>(from Visual Studio template files), because it has the perfect environment for a long running background service, since it inherits the </a:t>
-            </a:r>
-            <a:r>
-              <a:rPr lang="en-US" sz="1400" dirty="0" err="1"/>
-              <a:t>BackgroundService</a:t>
-            </a:r>
-            <a:r>
-              <a:rPr lang="en-US" sz="1400" dirty="0"/>
-              <a:t> class. An asynchronous timer ( in the form of </a:t>
-            </a:r>
-            <a:r>
-              <a:rPr lang="en-US" sz="1400" dirty="0" err="1"/>
-              <a:t>Task.Delay</a:t>
-            </a:r>
-            <a:r>
-              <a:rPr lang="en-US" sz="1400" dirty="0"/>
-              <a:t>() command is present to enforce the running interval of the service and its continuous running is ensured with a continuous while loop. </a:t>
-            </a:r>
-          </a:p>
-          <a:p>
-            <a:r>
-              <a:rPr lang="en-US" sz="1400" dirty="0"/>
-              <a:t>After confirming its correct running, through testing in the Debug Environment, I then proceeded into publishing the project in a local folder.</a:t>
-            </a:r>
-          </a:p>
-          <a:p>
-            <a:r>
-              <a:rPr lang="en-US" sz="1400" dirty="0"/>
+              <a:rPr lang="en-US" sz="1600" dirty="0"/>
+              <a:t>(from Visual Studio template files). A timer  is present to enforce the running interval of the service and it runs continuously in the background. After confirming its correct running, through testing, the service was published in a local folder.</a:t>
+            </a:r>
+          </a:p>
+          <a:p>
+            <a:r>
+              <a:rPr lang="en-US" sz="1600" dirty="0"/>
               <a:t>Then, after registering the project as a windows service, I had it running continuously as a background service through the Windows “Services” capability.  </a:t>
             </a:r>
           </a:p>
@@ -4488,8 +4709,8 @@
         </p:nvSpPr>
         <p:spPr>
           <a:xfrm>
-            <a:off x="5611446" y="1767006"/>
-            <a:ext cx="6111631" cy="1169551"/>
+            <a:off x="171939" y="4362217"/>
+            <a:ext cx="5924061" cy="1569660"/>
           </a:xfrm>
           <a:prstGeom prst="rect">
             <a:avLst/>
@@ -4503,20 +4724,24 @@
           <a:lstStyle/>
           <a:p>
             <a:r>
-              <a:rPr lang="en-US" sz="1400" dirty="0"/>
-              <a:t>For logging purposes </a:t>
-            </a:r>
-            <a:r>
-              <a:rPr lang="en-US" sz="1400" dirty="0">
+              <a:rPr lang="en-US" sz="1600" dirty="0"/>
+              <a:t>For </a:t>
+            </a:r>
+            <a:r>
+              <a:rPr lang="en-US" sz="1600" dirty="0">
                 <a:solidFill>
                   <a:srgbClr val="C00000"/>
                 </a:solidFill>
               </a:rPr>
-              <a:t>Serilog</a:t>
+              <a:t>logging purposes, Serilog</a:t>
+            </a:r>
+            <a:r>
+              <a:rPr lang="en-US" sz="1600" dirty="0"/>
+              <a:t> and its complimentary packages were used, bypassing the default Visual Studio console logging capacities. The Logger, exports its messages into a simple “.txt” file and it ensures better debugging and understanding of the progress of the process. To the right is the setup of the Logger, in 2 environments, DEBUG and RELEASE</a:t>
             </a:r>
             <a:r>
               <a:rPr lang="en-US" sz="1400" dirty="0"/>
-              <a:t> and its complimentary packages were used, bypassing the default Visual Studio console logging capacities. The Logger, exports its messages into a simple “.txt” file and it ensures better debugging and understanding of the progress of the process. Below is the setup of the Logger, in the 2 environments, DEBUG and RELEASE.</a:t>
+              <a:t>.</a:t>
             </a:r>
             <a:endParaRPr lang="el-GR" sz="1400" dirty="0"/>
           </a:p>
@@ -4550,8 +4775,8 @@
         </p:blipFill>
         <p:spPr>
           <a:xfrm>
-            <a:off x="5611446" y="3197947"/>
-            <a:ext cx="6111631" cy="3140329"/>
+            <a:off x="6189785" y="1767006"/>
+            <a:ext cx="5830276" cy="4164871"/>
           </a:xfrm>
           <a:prstGeom prst="rect">
             <a:avLst/>
@@ -4571,7 +4796,7 @@
 </p:sld>
 </file>
 
-<file path=ppt/slides/slide6.xml><?xml version="1.0" encoding="utf-8"?>
+<file path=ppt/slides/slide7.xml><?xml version="1.0" encoding="utf-8"?>
 <p:sld xmlns:a="http://schemas.openxmlformats.org/drawingml/2006/main" xmlns:r="http://schemas.openxmlformats.org/officeDocument/2006/relationships" xmlns:p="http://schemas.openxmlformats.org/presentationml/2006/main">
   <p:cSld>
     <p:spTree>
@@ -4602,8 +4827,8 @@
         </p:nvSpPr>
         <p:spPr>
           <a:xfrm>
-            <a:off x="54709" y="1070634"/>
-            <a:ext cx="3516922" cy="2559165"/>
+            <a:off x="54738" y="1070560"/>
+            <a:ext cx="4423507" cy="5173858"/>
           </a:xfrm>
           <a:prstGeom prst="rect">
             <a:avLst/>
@@ -4670,8 +4895,8 @@
         </p:blipFill>
         <p:spPr>
           <a:xfrm>
-            <a:off x="134431" y="1140971"/>
-            <a:ext cx="3381069" cy="2141492"/>
+            <a:off x="134431" y="1140970"/>
+            <a:ext cx="4281261" cy="4646469"/>
           </a:xfrm>
           <a:prstGeom prst="rect">
             <a:avLst/>
@@ -4692,7 +4917,7 @@
         </p:nvSpPr>
         <p:spPr>
           <a:xfrm>
-            <a:off x="54709" y="3298539"/>
+            <a:off x="501753" y="5877617"/>
             <a:ext cx="3381069" cy="276999"/>
           </a:xfrm>
           <a:prstGeom prst="rect">
@@ -4715,7 +4940,7 @@
                   <a:srgbClr val="C00000"/>
                 </a:solidFill>
               </a:rPr>
-              <a:t>WorkerLog.txt Capture </a:t>
+              <a:t>WorkerLog.txt example </a:t>
             </a:r>
             <a:endParaRPr lang="el-GR" sz="1200" dirty="0">
               <a:solidFill>
@@ -4725,10 +4950,628 @@
           </a:p>
         </p:txBody>
       </p:sp>
+      <p:cxnSp>
+        <p:nvCxnSpPr>
+          <p:cNvPr id="10" name="Straight Connector 9">
+            <a:extLst>
+              <a:ext uri="{FF2B5EF4-FFF2-40B4-BE49-F238E27FC236}">
+                <a16:creationId xmlns:a16="http://schemas.microsoft.com/office/drawing/2014/main" id="{B0CDCCE9-D332-41B5-90A4-2C1BD0A6D1E4}"/>
+              </a:ext>
+            </a:extLst>
+          </p:cNvPr>
+          <p:cNvCxnSpPr/>
+          <p:nvPr/>
+        </p:nvCxnSpPr>
+        <p:spPr>
+          <a:xfrm>
+            <a:off x="4712677" y="414215"/>
+            <a:ext cx="0" cy="5830277"/>
+          </a:xfrm>
+          <a:prstGeom prst="line">
+            <a:avLst/>
+          </a:prstGeom>
+          <a:ln>
+            <a:solidFill>
+              <a:srgbClr val="C00000"/>
+            </a:solidFill>
+          </a:ln>
+        </p:spPr>
+        <p:style>
+          <a:lnRef idx="3">
+            <a:schemeClr val="dk1"/>
+          </a:lnRef>
+          <a:fillRef idx="0">
+            <a:schemeClr val="dk1"/>
+          </a:fillRef>
+          <a:effectRef idx="2">
+            <a:schemeClr val="dk1"/>
+          </a:effectRef>
+          <a:fontRef idx="minor">
+            <a:schemeClr val="tx1"/>
+          </a:fontRef>
+        </p:style>
+      </p:cxnSp>
+      <p:sp>
+        <p:nvSpPr>
+          <p:cNvPr id="11" name="TextBox 10">
+            <a:extLst>
+              <a:ext uri="{FF2B5EF4-FFF2-40B4-BE49-F238E27FC236}">
+                <a16:creationId xmlns:a16="http://schemas.microsoft.com/office/drawing/2014/main" id="{2FAFDB93-6EE9-4481-A70A-C529F655745E}"/>
+              </a:ext>
+            </a:extLst>
+          </p:cNvPr>
+          <p:cNvSpPr txBox="1"/>
+          <p:nvPr/>
+        </p:nvSpPr>
+        <p:spPr>
+          <a:xfrm>
+            <a:off x="4861168" y="608895"/>
+            <a:ext cx="7276101" cy="461665"/>
+          </a:xfrm>
+          <a:prstGeom prst="rect">
+            <a:avLst/>
+          </a:prstGeom>
+          <a:noFill/>
+        </p:spPr>
+        <p:txBody>
+          <a:bodyPr wrap="square" rtlCol="0">
+            <a:spAutoFit/>
+          </a:bodyPr>
+          <a:lstStyle/>
+          <a:p>
+            <a:pPr algn="ctr"/>
+            <a:r>
+              <a:rPr lang="en-US" sz="2400" b="1" dirty="0">
+                <a:solidFill>
+                  <a:schemeClr val="accent1">
+                    <a:lumMod val="75000"/>
+                  </a:schemeClr>
+                </a:solidFill>
+              </a:rPr>
+              <a:t>CSV outputs</a:t>
+            </a:r>
+            <a:endParaRPr lang="el-GR" sz="2400" b="1" dirty="0">
+              <a:solidFill>
+                <a:schemeClr val="accent1">
+                  <a:lumMod val="75000"/>
+                </a:schemeClr>
+              </a:solidFill>
+            </a:endParaRPr>
+          </a:p>
+        </p:txBody>
+      </p:sp>
+      <p:sp>
+        <p:nvSpPr>
+          <p:cNvPr id="13" name="TextBox 12">
+            <a:extLst>
+              <a:ext uri="{FF2B5EF4-FFF2-40B4-BE49-F238E27FC236}">
+                <a16:creationId xmlns:a16="http://schemas.microsoft.com/office/drawing/2014/main" id="{00736177-3FAC-4A17-827C-9937024B76FE}"/>
+              </a:ext>
+            </a:extLst>
+          </p:cNvPr>
+          <p:cNvSpPr txBox="1"/>
+          <p:nvPr/>
+        </p:nvSpPr>
+        <p:spPr>
+          <a:xfrm>
+            <a:off x="4790831" y="1070560"/>
+            <a:ext cx="7346431" cy="1077218"/>
+          </a:xfrm>
+          <a:prstGeom prst="rect">
+            <a:avLst/>
+          </a:prstGeom>
+          <a:noFill/>
+        </p:spPr>
+        <p:txBody>
+          <a:bodyPr wrap="square" rtlCol="0">
+            <a:spAutoFit/>
+          </a:bodyPr>
+          <a:lstStyle/>
+          <a:p>
+            <a:r>
+              <a:rPr lang="en-US" sz="1600" dirty="0"/>
+              <a:t>The other 2 output files that the app produces are 2 separate .csv files in the current working directory, titled “Mgo.csv” and “Vlsfo.csv”. They contain the scraped data that we gathered and are updated every time the worker service running interval is reached.  Below is a snippet from both of the files</a:t>
+            </a:r>
+            <a:endParaRPr lang="el-GR" sz="1600" dirty="0"/>
+          </a:p>
+        </p:txBody>
+      </p:sp>
+      <p:pic>
+        <p:nvPicPr>
+          <p:cNvPr id="15" name="Picture 14">
+            <a:extLst>
+              <a:ext uri="{FF2B5EF4-FFF2-40B4-BE49-F238E27FC236}">
+                <a16:creationId xmlns:a16="http://schemas.microsoft.com/office/drawing/2014/main" id="{890A8B6D-CE90-4067-A32B-19B2DC2F5C98}"/>
+              </a:ext>
+            </a:extLst>
+          </p:cNvPr>
+          <p:cNvPicPr>
+            <a:picLocks noChangeAspect="1"/>
+          </p:cNvPicPr>
+          <p:nvPr/>
+        </p:nvPicPr>
+        <p:blipFill>
+          <a:blip r:embed="rId3">
+            <a:extLst>
+              <a:ext uri="{28A0092B-C50C-407E-A947-70E740481C1C}">
+                <a14:useLocalDpi xmlns:a14="http://schemas.microsoft.com/office/drawing/2010/main" val="0"/>
+              </a:ext>
+            </a:extLst>
+          </a:blip>
+          <a:stretch>
+            <a:fillRect/>
+          </a:stretch>
+        </p:blipFill>
+        <p:spPr>
+          <a:xfrm>
+            <a:off x="4938009" y="2194973"/>
+            <a:ext cx="7119560" cy="4049519"/>
+          </a:xfrm>
+          <a:prstGeom prst="rect">
+            <a:avLst/>
+          </a:prstGeom>
+        </p:spPr>
+      </p:pic>
     </p:spTree>
     <p:extLst>
       <p:ext uri="{BB962C8B-B14F-4D97-AF65-F5344CB8AC3E}">
         <p14:creationId xmlns:p14="http://schemas.microsoft.com/office/powerpoint/2010/main" val="3625969115"/>
+      </p:ext>
+    </p:extLst>
+  </p:cSld>
+  <p:clrMapOvr>
+    <a:masterClrMapping/>
+  </p:clrMapOvr>
+</p:sld>
+</file>
+
+<file path=ppt/slides/slide8.xml><?xml version="1.0" encoding="utf-8"?>
+<p:sld xmlns:a="http://schemas.openxmlformats.org/drawingml/2006/main" xmlns:r="http://schemas.openxmlformats.org/officeDocument/2006/relationships" xmlns:p="http://schemas.openxmlformats.org/presentationml/2006/main">
+  <p:cSld>
+    <p:spTree>
+      <p:nvGrpSpPr>
+        <p:cNvPr id="1" name=""/>
+        <p:cNvGrpSpPr/>
+        <p:nvPr/>
+      </p:nvGrpSpPr>
+      <p:grpSpPr>
+        <a:xfrm>
+          <a:off x="0" y="0"/>
+          <a:ext cx="0" cy="0"/>
+          <a:chOff x="0" y="0"/>
+          <a:chExt cx="0" cy="0"/>
+        </a:xfrm>
+      </p:grpSpPr>
+      <p:sp>
+        <p:nvSpPr>
+          <p:cNvPr id="3" name="TextBox 2">
+            <a:extLst>
+              <a:ext uri="{FF2B5EF4-FFF2-40B4-BE49-F238E27FC236}">
+                <a16:creationId xmlns:a16="http://schemas.microsoft.com/office/drawing/2014/main" id="{07FF56B2-C981-4B0A-B1B1-9C13BEAF853A}"/>
+              </a:ext>
+            </a:extLst>
+          </p:cNvPr>
+          <p:cNvSpPr txBox="1"/>
+          <p:nvPr/>
+        </p:nvSpPr>
+        <p:spPr>
+          <a:xfrm>
+            <a:off x="0" y="1023816"/>
+            <a:ext cx="12192000" cy="461665"/>
+          </a:xfrm>
+          <a:prstGeom prst="rect">
+            <a:avLst/>
+          </a:prstGeom>
+          <a:noFill/>
+        </p:spPr>
+        <p:txBody>
+          <a:bodyPr wrap="square" rtlCol="0">
+            <a:spAutoFit/>
+          </a:bodyPr>
+          <a:lstStyle/>
+          <a:p>
+            <a:pPr algn="ctr"/>
+            <a:r>
+              <a:rPr lang="en-US" sz="2400" b="1" dirty="0">
+                <a:solidFill>
+                  <a:schemeClr val="accent1">
+                    <a:lumMod val="75000"/>
+                  </a:schemeClr>
+                </a:solidFill>
+              </a:rPr>
+              <a:t>Business Requirements </a:t>
+            </a:r>
+            <a:endParaRPr lang="el-GR" sz="2400" b="1" dirty="0">
+              <a:solidFill>
+                <a:schemeClr val="accent1">
+                  <a:lumMod val="75000"/>
+                </a:schemeClr>
+              </a:solidFill>
+            </a:endParaRPr>
+          </a:p>
+        </p:txBody>
+      </p:sp>
+      <p:sp>
+        <p:nvSpPr>
+          <p:cNvPr id="6" name="TextBox 5">
+            <a:extLst>
+              <a:ext uri="{FF2B5EF4-FFF2-40B4-BE49-F238E27FC236}">
+                <a16:creationId xmlns:a16="http://schemas.microsoft.com/office/drawing/2014/main" id="{7B5A4DF1-88D4-4337-8895-549FFCDDE091}"/>
+              </a:ext>
+            </a:extLst>
+          </p:cNvPr>
+          <p:cNvSpPr txBox="1"/>
+          <p:nvPr/>
+        </p:nvSpPr>
+        <p:spPr>
+          <a:xfrm>
+            <a:off x="125046" y="1828799"/>
+            <a:ext cx="11769969" cy="4154984"/>
+          </a:xfrm>
+          <a:prstGeom prst="rect">
+            <a:avLst/>
+          </a:prstGeom>
+          <a:noFill/>
+        </p:spPr>
+        <p:txBody>
+          <a:bodyPr wrap="square" rtlCol="0">
+            <a:spAutoFit/>
+          </a:bodyPr>
+          <a:lstStyle/>
+          <a:p>
+            <a:pPr algn="just"/>
+            <a:r>
+              <a:rPr lang="en-US" sz="1600" dirty="0"/>
+              <a:t>The </a:t>
+            </a:r>
+            <a:r>
+              <a:rPr lang="en-US" sz="1600" dirty="0">
+                <a:solidFill>
+                  <a:srgbClr val="C00000"/>
+                </a:solidFill>
+              </a:rPr>
+              <a:t>business requirements</a:t>
+            </a:r>
+            <a:r>
+              <a:rPr lang="en-US" sz="1600" dirty="0"/>
+              <a:t> for this project are stated below. </a:t>
+            </a:r>
+          </a:p>
+          <a:p>
+            <a:pPr algn="just"/>
+            <a:endParaRPr lang="en-US" sz="1600" dirty="0"/>
+          </a:p>
+          <a:p>
+            <a:pPr marL="285750" indent="-285750" algn="just">
+              <a:lnSpc>
+                <a:spcPct val="150000"/>
+              </a:lnSpc>
+              <a:buFont typeface="Arial" panose="020B0604020202020204" pitchFamily="34" charset="0"/>
+              <a:buChar char="•"/>
+            </a:pPr>
+            <a:r>
+              <a:rPr lang="en-US" dirty="0"/>
+              <a:t>The app. must have the capacity to run in the background as a Windows Service .</a:t>
+            </a:r>
+          </a:p>
+          <a:p>
+            <a:pPr marL="285750" indent="-285750" algn="just">
+              <a:lnSpc>
+                <a:spcPct val="150000"/>
+              </a:lnSpc>
+              <a:buFont typeface="Arial" panose="020B0604020202020204" pitchFamily="34" charset="0"/>
+              <a:buChar char="•"/>
+            </a:pPr>
+            <a:r>
+              <a:rPr lang="en-US" dirty="0"/>
+              <a:t>It should be collecting and refreshing when changes happen, the 2 aforementioned </a:t>
+            </a:r>
+            <a:r>
+              <a:rPr lang="en-US" dirty="0">
+                <a:hlinkClick r:id="rId2"/>
+              </a:rPr>
+              <a:t>MGO</a:t>
+            </a:r>
+            <a:r>
+              <a:rPr lang="en-US" dirty="0"/>
+              <a:t> and </a:t>
+            </a:r>
+            <a:r>
+              <a:rPr lang="en-US" dirty="0">
+                <a:hlinkClick r:id="rId3"/>
+              </a:rPr>
+              <a:t>VLSFO</a:t>
+            </a:r>
+            <a:r>
+              <a:rPr lang="en-US" dirty="0"/>
+              <a:t> global average prices from the </a:t>
+            </a:r>
+            <a:r>
+              <a:rPr lang="en-US" dirty="0">
+                <a:hlinkClick r:id="rId4"/>
+              </a:rPr>
+              <a:t>shipandbunker.com </a:t>
+            </a:r>
+            <a:r>
+              <a:rPr lang="en-US" dirty="0"/>
+              <a:t>website.</a:t>
+            </a:r>
+          </a:p>
+          <a:p>
+            <a:pPr marL="285750" indent="-285750" algn="just">
+              <a:lnSpc>
+                <a:spcPct val="150000"/>
+              </a:lnSpc>
+              <a:buFont typeface="Arial" panose="020B0604020202020204" pitchFamily="34" charset="0"/>
+              <a:buChar char="•"/>
+            </a:pPr>
+            <a:r>
+              <a:rPr lang="en-US" dirty="0"/>
+              <a:t>It should be scraping the columns “Date, Price $/mt, High, Low” from those tables and store the data in the form of 2 separate csv files.</a:t>
+            </a:r>
+          </a:p>
+          <a:p>
+            <a:pPr marL="742950" lvl="1" indent="-285750" algn="just">
+              <a:lnSpc>
+                <a:spcPct val="150000"/>
+              </a:lnSpc>
+              <a:buFont typeface="Arial" panose="020B0604020202020204" pitchFamily="34" charset="0"/>
+              <a:buChar char="•"/>
+            </a:pPr>
+            <a:r>
+              <a:rPr lang="en-US" dirty="0"/>
+              <a:t>The “Date” column’s data must be formatted to be exhibited in the ISO time Format.</a:t>
+            </a:r>
+          </a:p>
+          <a:p>
+            <a:pPr marL="285750" indent="-285750" algn="just">
+              <a:lnSpc>
+                <a:spcPct val="150000"/>
+              </a:lnSpc>
+              <a:buFont typeface="Arial" panose="020B0604020202020204" pitchFamily="34" charset="0"/>
+              <a:buChar char="•"/>
+            </a:pPr>
+            <a:r>
+              <a:rPr lang="en-US" dirty="0"/>
+              <a:t>The scraping should be happening in a 30 minute interval between the allotted time span.</a:t>
+            </a:r>
+          </a:p>
+          <a:p>
+            <a:pPr marL="285750" indent="-285750" algn="just">
+              <a:lnSpc>
+                <a:spcPct val="150000"/>
+              </a:lnSpc>
+              <a:buFont typeface="Arial" panose="020B0604020202020204" pitchFamily="34" charset="0"/>
+              <a:buChar char="•"/>
+            </a:pPr>
+            <a:r>
+              <a:rPr lang="en-US" dirty="0"/>
+              <a:t>The running period of the service should be between 9:30 and 21:30 in UTC time format, from Monday to Friday.</a:t>
+            </a:r>
+          </a:p>
+          <a:p>
+            <a:pPr marL="285750" indent="-285750" algn="just">
+              <a:buFont typeface="Arial" panose="020B0604020202020204" pitchFamily="34" charset="0"/>
+              <a:buChar char="•"/>
+            </a:pPr>
+            <a:endParaRPr lang="el-GR" sz="1600" dirty="0"/>
+          </a:p>
+        </p:txBody>
+      </p:sp>
+    </p:spTree>
+    <p:extLst>
+      <p:ext uri="{BB962C8B-B14F-4D97-AF65-F5344CB8AC3E}">
+        <p14:creationId xmlns:p14="http://schemas.microsoft.com/office/powerpoint/2010/main" val="2630306233"/>
+      </p:ext>
+    </p:extLst>
+  </p:cSld>
+  <p:clrMapOvr>
+    <a:masterClrMapping/>
+  </p:clrMapOvr>
+</p:sld>
+</file>
+
+<file path=ppt/slides/slide9.xml><?xml version="1.0" encoding="utf-8"?>
+<p:sld xmlns:a="http://schemas.openxmlformats.org/drawingml/2006/main" xmlns:r="http://schemas.openxmlformats.org/officeDocument/2006/relationships" xmlns:p="http://schemas.openxmlformats.org/presentationml/2006/main">
+  <p:cSld>
+    <p:spTree>
+      <p:nvGrpSpPr>
+        <p:cNvPr id="1" name=""/>
+        <p:cNvGrpSpPr/>
+        <p:nvPr/>
+      </p:nvGrpSpPr>
+      <p:grpSpPr>
+        <a:xfrm>
+          <a:off x="0" y="0"/>
+          <a:ext cx="0" cy="0"/>
+          <a:chOff x="0" y="0"/>
+          <a:chExt cx="0" cy="0"/>
+        </a:xfrm>
+      </p:grpSpPr>
+      <p:sp>
+        <p:nvSpPr>
+          <p:cNvPr id="3" name="TextBox 2">
+            <a:extLst>
+              <a:ext uri="{FF2B5EF4-FFF2-40B4-BE49-F238E27FC236}">
+                <a16:creationId xmlns:a16="http://schemas.microsoft.com/office/drawing/2014/main" id="{07FF56B2-C981-4B0A-B1B1-9C13BEAF853A}"/>
+              </a:ext>
+            </a:extLst>
+          </p:cNvPr>
+          <p:cNvSpPr txBox="1"/>
+          <p:nvPr/>
+        </p:nvSpPr>
+        <p:spPr>
+          <a:xfrm>
+            <a:off x="-359506" y="1023815"/>
+            <a:ext cx="3993661" cy="461665"/>
+          </a:xfrm>
+          <a:prstGeom prst="rect">
+            <a:avLst/>
+          </a:prstGeom>
+          <a:noFill/>
+        </p:spPr>
+        <p:txBody>
+          <a:bodyPr wrap="square" rtlCol="0">
+            <a:spAutoFit/>
+          </a:bodyPr>
+          <a:lstStyle/>
+          <a:p>
+            <a:pPr algn="ctr"/>
+            <a:r>
+              <a:rPr lang="en-US" sz="2400" b="1" dirty="0">
+                <a:solidFill>
+                  <a:schemeClr val="accent1">
+                    <a:lumMod val="75000"/>
+                  </a:schemeClr>
+                </a:solidFill>
+              </a:rPr>
+              <a:t>Flow chart of the process</a:t>
+            </a:r>
+            <a:endParaRPr lang="el-GR" sz="2400" b="1" dirty="0">
+              <a:solidFill>
+                <a:schemeClr val="accent1">
+                  <a:lumMod val="75000"/>
+                </a:schemeClr>
+              </a:solidFill>
+            </a:endParaRPr>
+          </a:p>
+        </p:txBody>
+      </p:sp>
+      <p:sp>
+        <p:nvSpPr>
+          <p:cNvPr id="6" name="TextBox 5">
+            <a:extLst>
+              <a:ext uri="{FF2B5EF4-FFF2-40B4-BE49-F238E27FC236}">
+                <a16:creationId xmlns:a16="http://schemas.microsoft.com/office/drawing/2014/main" id="{7B5A4DF1-88D4-4337-8895-549FFCDDE091}"/>
+              </a:ext>
+            </a:extLst>
+          </p:cNvPr>
+          <p:cNvSpPr txBox="1"/>
+          <p:nvPr/>
+        </p:nvSpPr>
+        <p:spPr>
+          <a:xfrm>
+            <a:off x="1" y="1828799"/>
+            <a:ext cx="3634154" cy="2762551"/>
+          </a:xfrm>
+          <a:prstGeom prst="rect">
+            <a:avLst/>
+          </a:prstGeom>
+          <a:noFill/>
+        </p:spPr>
+        <p:txBody>
+          <a:bodyPr wrap="square" rtlCol="0">
+            <a:spAutoFit/>
+          </a:bodyPr>
+          <a:lstStyle/>
+          <a:p>
+            <a:pPr algn="just"/>
+            <a:r>
+              <a:rPr lang="en-US" sz="1600" dirty="0"/>
+              <a:t> </a:t>
+            </a:r>
+            <a:r>
+              <a:rPr lang="en-US" sz="1600" u="sng" dirty="0"/>
+              <a:t>Points of interest</a:t>
+            </a:r>
+          </a:p>
+          <a:p>
+            <a:pPr algn="just"/>
+            <a:endParaRPr lang="en-US" sz="1600" u="sng" dirty="0"/>
+          </a:p>
+          <a:p>
+            <a:pPr marL="285750" indent="-285750" algn="just">
+              <a:lnSpc>
+                <a:spcPct val="150000"/>
+              </a:lnSpc>
+              <a:buFont typeface="Arial" panose="020B0604020202020204" pitchFamily="34" charset="0"/>
+              <a:buChar char="•"/>
+            </a:pPr>
+            <a:r>
+              <a:rPr lang="en-US" sz="1600" dirty="0"/>
+              <a:t>The ValidRunning Time condition for running the process </a:t>
+            </a:r>
+          </a:p>
+          <a:p>
+            <a:pPr marL="285750" indent="-285750" algn="just">
+              <a:lnSpc>
+                <a:spcPct val="150000"/>
+              </a:lnSpc>
+              <a:buFont typeface="Arial" panose="020B0604020202020204" pitchFamily="34" charset="0"/>
+              <a:buChar char="•"/>
+            </a:pPr>
+            <a:r>
+              <a:rPr lang="en-US" sz="1600" dirty="0"/>
+              <a:t>The 3 processes in the rectangle that handle the scraping operation</a:t>
+            </a:r>
+          </a:p>
+          <a:p>
+            <a:pPr marL="285750" indent="-285750" algn="just">
+              <a:lnSpc>
+                <a:spcPct val="150000"/>
+              </a:lnSpc>
+              <a:buFont typeface="Arial" panose="020B0604020202020204" pitchFamily="34" charset="0"/>
+              <a:buChar char="•"/>
+            </a:pPr>
+            <a:r>
+              <a:rPr lang="en-US" sz="1600" dirty="0"/>
+              <a:t>The 3 output documents </a:t>
+            </a:r>
+          </a:p>
+          <a:p>
+            <a:pPr algn="just">
+              <a:lnSpc>
+                <a:spcPct val="150000"/>
+              </a:lnSpc>
+            </a:pPr>
+            <a:r>
+              <a:rPr lang="en-US" sz="1600" dirty="0"/>
+              <a:t> </a:t>
+            </a:r>
+            <a:endParaRPr lang="el-GR" sz="1600" dirty="0"/>
+          </a:p>
+        </p:txBody>
+      </p:sp>
+      <p:pic>
+        <p:nvPicPr>
+          <p:cNvPr id="4" name="Picture 3">
+            <a:extLst>
+              <a:ext uri="{FF2B5EF4-FFF2-40B4-BE49-F238E27FC236}">
+                <a16:creationId xmlns:a16="http://schemas.microsoft.com/office/drawing/2014/main" id="{F11D6614-BA03-4FFF-9E9D-D11581551EA7}"/>
+              </a:ext>
+            </a:extLst>
+          </p:cNvPr>
+          <p:cNvPicPr>
+            <a:picLocks noChangeAspect="1"/>
+          </p:cNvPicPr>
+          <p:nvPr/>
+        </p:nvPicPr>
+        <p:blipFill>
+          <a:blip r:embed="rId2">
+            <a:extLst>
+              <a:ext uri="{28A0092B-C50C-407E-A947-70E740481C1C}">
+                <a14:useLocalDpi xmlns:a14="http://schemas.microsoft.com/office/drawing/2010/main" val="0"/>
+              </a:ext>
+            </a:extLst>
+          </a:blip>
+          <a:stretch>
+            <a:fillRect/>
+          </a:stretch>
+        </p:blipFill>
+        <p:spPr>
+          <a:xfrm>
+            <a:off x="4001477" y="500185"/>
+            <a:ext cx="7659077" cy="5689600"/>
+          </a:xfrm>
+          <a:prstGeom prst="rect">
+            <a:avLst/>
+          </a:prstGeom>
+        </p:spPr>
+      </p:pic>
+    </p:spTree>
+    <p:extLst>
+      <p:ext uri="{BB962C8B-B14F-4D97-AF65-F5344CB8AC3E}">
+        <p14:creationId xmlns:p14="http://schemas.microsoft.com/office/powerpoint/2010/main" val="3192516378"/>
       </p:ext>
     </p:extLst>
   </p:cSld>

--- a/ShipBunkerWindowsService/Documentation/WebScraperPresentation.pptx
+++ b/ShipBunkerWindowsService/Documentation/WebScraperPresentation.pptx
@@ -5,7 +5,7 @@
     <p:sldMasterId id="2147483648" r:id="rId1"/>
   </p:sldMasterIdLst>
   <p:notesMasterIdLst>
-    <p:notesMasterId r:id="rId11"/>
+    <p:notesMasterId r:id="rId15"/>
   </p:notesMasterIdLst>
   <p:sldIdLst>
     <p:sldId id="256" r:id="rId2"/>
@@ -17,6 +17,10 @@
     <p:sldId id="261" r:id="rId8"/>
     <p:sldId id="262" r:id="rId9"/>
     <p:sldId id="263" r:id="rId10"/>
+    <p:sldId id="265" r:id="rId11"/>
+    <p:sldId id="266" r:id="rId12"/>
+    <p:sldId id="267" r:id="rId13"/>
+    <p:sldId id="268" r:id="rId14"/>
   </p:sldIdLst>
   <p:sldSz cx="12192000" cy="6858000"/>
   <p:notesSz cx="6858000" cy="9144000"/>
@@ -3542,6 +3546,940 @@
 </p:sld>
 </file>
 
+<file path=ppt/slides/slide10.xml><?xml version="1.0" encoding="utf-8"?>
+<p:sld xmlns:a="http://schemas.openxmlformats.org/drawingml/2006/main" xmlns:r="http://schemas.openxmlformats.org/officeDocument/2006/relationships" xmlns:p="http://schemas.openxmlformats.org/presentationml/2006/main">
+  <p:cSld>
+    <p:spTree>
+      <p:nvGrpSpPr>
+        <p:cNvPr id="1" name=""/>
+        <p:cNvGrpSpPr/>
+        <p:nvPr/>
+      </p:nvGrpSpPr>
+      <p:grpSpPr>
+        <a:xfrm>
+          <a:off x="0" y="0"/>
+          <a:ext cx="0" cy="0"/>
+          <a:chOff x="0" y="0"/>
+          <a:chExt cx="0" cy="0"/>
+        </a:xfrm>
+      </p:grpSpPr>
+      <p:sp>
+        <p:nvSpPr>
+          <p:cNvPr id="8" name="TextBox 7">
+            <a:extLst>
+              <a:ext uri="{FF2B5EF4-FFF2-40B4-BE49-F238E27FC236}">
+                <a16:creationId xmlns:a16="http://schemas.microsoft.com/office/drawing/2014/main" id="{DE73D80A-FAA4-47BA-999E-14E88AE7CF6D}"/>
+              </a:ext>
+            </a:extLst>
+          </p:cNvPr>
+          <p:cNvSpPr txBox="1"/>
+          <p:nvPr/>
+        </p:nvSpPr>
+        <p:spPr>
+          <a:xfrm>
+            <a:off x="8869283" y="812800"/>
+            <a:ext cx="3322717" cy="3554819"/>
+          </a:xfrm>
+          <a:prstGeom prst="rect">
+            <a:avLst/>
+          </a:prstGeom>
+          <a:noFill/>
+        </p:spPr>
+        <p:txBody>
+          <a:bodyPr wrap="square" rtlCol="0">
+            <a:spAutoFit/>
+          </a:bodyPr>
+          <a:lstStyle/>
+          <a:p>
+            <a:r>
+              <a:rPr lang="en-US" dirty="0"/>
+              <a:t>The 5 functions that handle the logic and most of the business requirements of the Service</a:t>
+            </a:r>
+          </a:p>
+          <a:p>
+            <a:endParaRPr lang="en-US" dirty="0"/>
+          </a:p>
+          <a:p>
+            <a:pPr marL="742950" lvl="1" indent="-285750">
+              <a:lnSpc>
+                <a:spcPct val="150000"/>
+              </a:lnSpc>
+              <a:buFont typeface="Arial" panose="020B0604020202020204" pitchFamily="34" charset="0"/>
+              <a:buChar char="•"/>
+            </a:pPr>
+            <a:r>
+              <a:rPr lang="en-US" dirty="0"/>
+              <a:t>ValidRunningTime</a:t>
+            </a:r>
+          </a:p>
+          <a:p>
+            <a:pPr marL="742950" lvl="1" indent="-285750">
+              <a:lnSpc>
+                <a:spcPct val="150000"/>
+              </a:lnSpc>
+              <a:buFont typeface="Arial" panose="020B0604020202020204" pitchFamily="34" charset="0"/>
+              <a:buChar char="•"/>
+            </a:pPr>
+            <a:r>
+              <a:rPr lang="en-US" dirty="0"/>
+              <a:t>IsoFormatConverter</a:t>
+            </a:r>
+          </a:p>
+          <a:p>
+            <a:pPr marL="742950" lvl="1" indent="-285750">
+              <a:lnSpc>
+                <a:spcPct val="150000"/>
+              </a:lnSpc>
+              <a:buFont typeface="Arial" panose="020B0604020202020204" pitchFamily="34" charset="0"/>
+              <a:buChar char="•"/>
+            </a:pPr>
+            <a:r>
+              <a:rPr lang="en-US" dirty="0"/>
+              <a:t>DocumentLoader</a:t>
+            </a:r>
+          </a:p>
+          <a:p>
+            <a:pPr marL="742950" lvl="1" indent="-285750">
+              <a:lnSpc>
+                <a:spcPct val="150000"/>
+              </a:lnSpc>
+              <a:buFont typeface="Arial" panose="020B0604020202020204" pitchFamily="34" charset="0"/>
+              <a:buChar char="•"/>
+            </a:pPr>
+            <a:r>
+              <a:rPr lang="en-US" dirty="0"/>
+              <a:t>ScrapingLogic</a:t>
+            </a:r>
+          </a:p>
+          <a:p>
+            <a:pPr marL="742950" lvl="1" indent="-285750">
+              <a:lnSpc>
+                <a:spcPct val="150000"/>
+              </a:lnSpc>
+              <a:buFont typeface="Arial" panose="020B0604020202020204" pitchFamily="34" charset="0"/>
+              <a:buChar char="•"/>
+            </a:pPr>
+            <a:r>
+              <a:rPr lang="en-US" dirty="0"/>
+              <a:t>CsvOutput</a:t>
+            </a:r>
+          </a:p>
+          <a:p>
+            <a:pPr marL="285750" indent="-285750">
+              <a:buFont typeface="Arial" panose="020B0604020202020204" pitchFamily="34" charset="0"/>
+              <a:buChar char="•"/>
+            </a:pPr>
+            <a:endParaRPr lang="en-US" dirty="0"/>
+          </a:p>
+        </p:txBody>
+      </p:sp>
+      <p:pic>
+        <p:nvPicPr>
+          <p:cNvPr id="10" name="Picture 9">
+            <a:extLst>
+              <a:ext uri="{FF2B5EF4-FFF2-40B4-BE49-F238E27FC236}">
+                <a16:creationId xmlns:a16="http://schemas.microsoft.com/office/drawing/2014/main" id="{E8BAD43D-7A09-4BDC-A5B7-73EAAACBDAFD}"/>
+              </a:ext>
+            </a:extLst>
+          </p:cNvPr>
+          <p:cNvPicPr>
+            <a:picLocks noChangeAspect="1"/>
+          </p:cNvPicPr>
+          <p:nvPr/>
+        </p:nvPicPr>
+        <p:blipFill>
+          <a:blip r:embed="rId2">
+            <a:extLst>
+              <a:ext uri="{28A0092B-C50C-407E-A947-70E740481C1C}">
+                <a14:useLocalDpi xmlns:a14="http://schemas.microsoft.com/office/drawing/2010/main" val="0"/>
+              </a:ext>
+            </a:extLst>
+          </a:blip>
+          <a:stretch>
+            <a:fillRect/>
+          </a:stretch>
+        </p:blipFill>
+        <p:spPr>
+          <a:xfrm>
+            <a:off x="61345" y="812800"/>
+            <a:ext cx="8746593" cy="5517662"/>
+          </a:xfrm>
+          <a:prstGeom prst="rect">
+            <a:avLst/>
+          </a:prstGeom>
+        </p:spPr>
+      </p:pic>
+    </p:spTree>
+    <p:extLst>
+      <p:ext uri="{BB962C8B-B14F-4D97-AF65-F5344CB8AC3E}">
+        <p14:creationId xmlns:p14="http://schemas.microsoft.com/office/powerpoint/2010/main" val="2803887840"/>
+      </p:ext>
+    </p:extLst>
+  </p:cSld>
+  <p:clrMapOvr>
+    <a:masterClrMapping/>
+  </p:clrMapOvr>
+</p:sld>
+</file>
+
+<file path=ppt/slides/slide11.xml><?xml version="1.0" encoding="utf-8"?>
+<p:sld xmlns:a="http://schemas.openxmlformats.org/drawingml/2006/main" xmlns:r="http://schemas.openxmlformats.org/officeDocument/2006/relationships" xmlns:p="http://schemas.openxmlformats.org/presentationml/2006/main">
+  <p:cSld>
+    <p:spTree>
+      <p:nvGrpSpPr>
+        <p:cNvPr id="1" name=""/>
+        <p:cNvGrpSpPr/>
+        <p:nvPr/>
+      </p:nvGrpSpPr>
+      <p:grpSpPr>
+        <a:xfrm>
+          <a:off x="0" y="0"/>
+          <a:ext cx="0" cy="0"/>
+          <a:chOff x="0" y="0"/>
+          <a:chExt cx="0" cy="0"/>
+        </a:xfrm>
+      </p:grpSpPr>
+      <p:sp>
+        <p:nvSpPr>
+          <p:cNvPr id="3" name="TextBox 2">
+            <a:extLst>
+              <a:ext uri="{FF2B5EF4-FFF2-40B4-BE49-F238E27FC236}">
+                <a16:creationId xmlns:a16="http://schemas.microsoft.com/office/drawing/2014/main" id="{07FF56B2-C981-4B0A-B1B1-9C13BEAF853A}"/>
+              </a:ext>
+            </a:extLst>
+          </p:cNvPr>
+          <p:cNvSpPr txBox="1"/>
+          <p:nvPr/>
+        </p:nvSpPr>
+        <p:spPr>
+          <a:xfrm>
+            <a:off x="0" y="1023816"/>
+            <a:ext cx="12192000" cy="461665"/>
+          </a:xfrm>
+          <a:prstGeom prst="rect">
+            <a:avLst/>
+          </a:prstGeom>
+          <a:noFill/>
+        </p:spPr>
+        <p:txBody>
+          <a:bodyPr wrap="square" rtlCol="0">
+            <a:spAutoFit/>
+          </a:bodyPr>
+          <a:lstStyle/>
+          <a:p>
+            <a:pPr algn="ctr"/>
+            <a:r>
+              <a:rPr lang="en-US" sz="2400" b="1" dirty="0">
+                <a:solidFill>
+                  <a:schemeClr val="accent1">
+                    <a:lumMod val="75000"/>
+                  </a:schemeClr>
+                </a:solidFill>
+              </a:rPr>
+              <a:t>Our functions in some detail</a:t>
+            </a:r>
+            <a:endParaRPr lang="el-GR" sz="2400" b="1" dirty="0">
+              <a:solidFill>
+                <a:schemeClr val="accent1">
+                  <a:lumMod val="75000"/>
+                </a:schemeClr>
+              </a:solidFill>
+            </a:endParaRPr>
+          </a:p>
+        </p:txBody>
+      </p:sp>
+      <p:sp>
+        <p:nvSpPr>
+          <p:cNvPr id="6" name="TextBox 5">
+            <a:extLst>
+              <a:ext uri="{FF2B5EF4-FFF2-40B4-BE49-F238E27FC236}">
+                <a16:creationId xmlns:a16="http://schemas.microsoft.com/office/drawing/2014/main" id="{7B5A4DF1-88D4-4337-8895-549FFCDDE091}"/>
+              </a:ext>
+            </a:extLst>
+          </p:cNvPr>
+          <p:cNvSpPr txBox="1"/>
+          <p:nvPr/>
+        </p:nvSpPr>
+        <p:spPr>
+          <a:xfrm>
+            <a:off x="125046" y="1828799"/>
+            <a:ext cx="11769969" cy="4985980"/>
+          </a:xfrm>
+          <a:prstGeom prst="rect">
+            <a:avLst/>
+          </a:prstGeom>
+          <a:noFill/>
+        </p:spPr>
+        <p:txBody>
+          <a:bodyPr wrap="square" rtlCol="0">
+            <a:spAutoFit/>
+          </a:bodyPr>
+          <a:lstStyle/>
+          <a:p>
+            <a:pPr lvl="1">
+              <a:lnSpc>
+                <a:spcPct val="250000"/>
+              </a:lnSpc>
+            </a:pPr>
+            <a:r>
+              <a:rPr lang="en-US" b="1" u="sng" dirty="0">
+                <a:solidFill>
+                  <a:srgbClr val="C00000"/>
+                </a:solidFill>
+              </a:rPr>
+              <a:t>ValidRunningTime</a:t>
+            </a:r>
+            <a:r>
+              <a:rPr lang="en-US" u="sng" dirty="0">
+                <a:solidFill>
+                  <a:srgbClr val="C00000"/>
+                </a:solidFill>
+              </a:rPr>
+              <a:t>:</a:t>
+            </a:r>
+            <a:r>
+              <a:rPr lang="en-US" dirty="0">
+                <a:solidFill>
+                  <a:srgbClr val="C00000"/>
+                </a:solidFill>
+              </a:rPr>
+              <a:t> </a:t>
+            </a:r>
+            <a:r>
+              <a:rPr lang="en-US" dirty="0"/>
+              <a:t>Handles the important condition about the running times/days of the service. It is used frequently to ensure the adherence to our business requirements</a:t>
+            </a:r>
+            <a:endParaRPr lang="en-US" u="sng" dirty="0">
+              <a:solidFill>
+                <a:srgbClr val="C00000"/>
+              </a:solidFill>
+            </a:endParaRPr>
+          </a:p>
+          <a:p>
+            <a:pPr lvl="1">
+              <a:lnSpc>
+                <a:spcPct val="250000"/>
+              </a:lnSpc>
+            </a:pPr>
+            <a:r>
+              <a:rPr lang="en-US" b="1" u="sng" dirty="0">
+                <a:solidFill>
+                  <a:srgbClr val="C00000"/>
+                </a:solidFill>
+              </a:rPr>
+              <a:t>IsoFormatConverter</a:t>
+            </a:r>
+            <a:r>
+              <a:rPr lang="en-US" u="sng" dirty="0">
+                <a:solidFill>
+                  <a:srgbClr val="C00000"/>
+                </a:solidFill>
+              </a:rPr>
+              <a:t>:</a:t>
+            </a:r>
+            <a:r>
+              <a:rPr lang="en-US" dirty="0">
+                <a:solidFill>
+                  <a:srgbClr val="C00000"/>
+                </a:solidFill>
+              </a:rPr>
+              <a:t> </a:t>
+            </a:r>
+            <a:r>
+              <a:rPr lang="en-US" dirty="0"/>
+              <a:t>Converts the date column that we scraped, into ISO time format</a:t>
+            </a:r>
+            <a:endParaRPr lang="en-US" u="sng" dirty="0">
+              <a:solidFill>
+                <a:srgbClr val="C00000"/>
+              </a:solidFill>
+            </a:endParaRPr>
+          </a:p>
+          <a:p>
+            <a:pPr lvl="1">
+              <a:lnSpc>
+                <a:spcPct val="250000"/>
+              </a:lnSpc>
+            </a:pPr>
+            <a:r>
+              <a:rPr lang="en-US" b="1" u="sng" dirty="0">
+                <a:solidFill>
+                  <a:srgbClr val="C00000"/>
+                </a:solidFill>
+              </a:rPr>
+              <a:t>DocumentLoader</a:t>
+            </a:r>
+            <a:r>
+              <a:rPr lang="en-US" u="sng" dirty="0">
+                <a:solidFill>
+                  <a:srgbClr val="C00000"/>
+                </a:solidFill>
+              </a:rPr>
+              <a:t>:</a:t>
+            </a:r>
+            <a:r>
+              <a:rPr lang="en-US" dirty="0">
+                <a:solidFill>
+                  <a:srgbClr val="C00000"/>
+                </a:solidFill>
+              </a:rPr>
+              <a:t> </a:t>
+            </a:r>
+            <a:r>
+              <a:rPr lang="en-US" dirty="0"/>
+              <a:t>Loads the website about to be scraped into HTML Document through the site’s URL </a:t>
+            </a:r>
+            <a:endParaRPr lang="en-US" u="sng" dirty="0">
+              <a:solidFill>
+                <a:srgbClr val="C00000"/>
+              </a:solidFill>
+            </a:endParaRPr>
+          </a:p>
+          <a:p>
+            <a:pPr lvl="1">
+              <a:lnSpc>
+                <a:spcPct val="250000"/>
+              </a:lnSpc>
+            </a:pPr>
+            <a:r>
+              <a:rPr lang="en-US" b="1" u="sng" dirty="0">
+                <a:solidFill>
+                  <a:srgbClr val="C00000"/>
+                </a:solidFill>
+              </a:rPr>
+              <a:t>ScrapingLogic</a:t>
+            </a:r>
+            <a:r>
+              <a:rPr lang="en-US" u="sng" dirty="0">
+                <a:solidFill>
+                  <a:srgbClr val="C00000"/>
+                </a:solidFill>
+              </a:rPr>
+              <a:t>:</a:t>
+            </a:r>
+            <a:r>
+              <a:rPr lang="en-US" dirty="0">
+                <a:solidFill>
+                  <a:srgbClr val="C00000"/>
+                </a:solidFill>
+              </a:rPr>
+              <a:t> </a:t>
+            </a:r>
+            <a:r>
+              <a:rPr lang="en-US" dirty="0"/>
+              <a:t>Handles the scraping of the data from the loaded Html Document and places them into a List</a:t>
+            </a:r>
+            <a:endParaRPr lang="en-US" u="sng" dirty="0">
+              <a:solidFill>
+                <a:srgbClr val="C00000"/>
+              </a:solidFill>
+            </a:endParaRPr>
+          </a:p>
+          <a:p>
+            <a:pPr lvl="1">
+              <a:lnSpc>
+                <a:spcPct val="250000"/>
+              </a:lnSpc>
+            </a:pPr>
+            <a:r>
+              <a:rPr lang="en-US" b="1" u="sng" dirty="0">
+                <a:solidFill>
+                  <a:srgbClr val="C00000"/>
+                </a:solidFill>
+              </a:rPr>
+              <a:t>CsvOutput</a:t>
+            </a:r>
+            <a:r>
+              <a:rPr lang="en-US" u="sng" dirty="0">
+                <a:solidFill>
+                  <a:srgbClr val="C00000"/>
+                </a:solidFill>
+              </a:rPr>
+              <a:t>:</a:t>
+            </a:r>
+            <a:r>
+              <a:rPr lang="en-US" dirty="0"/>
+              <a:t>  Exports the scraped data into a csv file, with the desired format.</a:t>
+            </a:r>
+            <a:endParaRPr lang="en-US" u="sng" dirty="0">
+              <a:solidFill>
+                <a:srgbClr val="C00000"/>
+              </a:solidFill>
+            </a:endParaRPr>
+          </a:p>
+          <a:p>
+            <a:pPr algn="just"/>
+            <a:endParaRPr lang="en-US" sz="1600" u="sng" dirty="0"/>
+          </a:p>
+          <a:p>
+            <a:pPr algn="just"/>
+            <a:endParaRPr lang="en-US" sz="1600" dirty="0"/>
+          </a:p>
+          <a:p>
+            <a:pPr marL="285750" indent="-285750" algn="just">
+              <a:buFont typeface="Arial" panose="020B0604020202020204" pitchFamily="34" charset="0"/>
+              <a:buChar char="•"/>
+            </a:pPr>
+            <a:endParaRPr lang="el-GR" sz="1600" dirty="0"/>
+          </a:p>
+        </p:txBody>
+      </p:sp>
+    </p:spTree>
+    <p:extLst>
+      <p:ext uri="{BB962C8B-B14F-4D97-AF65-F5344CB8AC3E}">
+        <p14:creationId xmlns:p14="http://schemas.microsoft.com/office/powerpoint/2010/main" val="371266408"/>
+      </p:ext>
+    </p:extLst>
+  </p:cSld>
+  <p:clrMapOvr>
+    <a:masterClrMapping/>
+  </p:clrMapOvr>
+</p:sld>
+</file>
+
+<file path=ppt/slides/slide12.xml><?xml version="1.0" encoding="utf-8"?>
+<p:sld xmlns:a="http://schemas.openxmlformats.org/drawingml/2006/main" xmlns:r="http://schemas.openxmlformats.org/officeDocument/2006/relationships" xmlns:p="http://schemas.openxmlformats.org/presentationml/2006/main">
+  <p:cSld>
+    <p:spTree>
+      <p:nvGrpSpPr>
+        <p:cNvPr id="1" name=""/>
+        <p:cNvGrpSpPr/>
+        <p:nvPr/>
+      </p:nvGrpSpPr>
+      <p:grpSpPr>
+        <a:xfrm>
+          <a:off x="0" y="0"/>
+          <a:ext cx="0" cy="0"/>
+          <a:chOff x="0" y="0"/>
+          <a:chExt cx="0" cy="0"/>
+        </a:xfrm>
+      </p:grpSpPr>
+      <p:sp>
+        <p:nvSpPr>
+          <p:cNvPr id="3" name="TextBox 2">
+            <a:extLst>
+              <a:ext uri="{FF2B5EF4-FFF2-40B4-BE49-F238E27FC236}">
+                <a16:creationId xmlns:a16="http://schemas.microsoft.com/office/drawing/2014/main" id="{07FF56B2-C981-4B0A-B1B1-9C13BEAF853A}"/>
+              </a:ext>
+            </a:extLst>
+          </p:cNvPr>
+          <p:cNvSpPr txBox="1"/>
+          <p:nvPr/>
+        </p:nvSpPr>
+        <p:spPr>
+          <a:xfrm>
+            <a:off x="0" y="804985"/>
+            <a:ext cx="12192000" cy="461665"/>
+          </a:xfrm>
+          <a:prstGeom prst="rect">
+            <a:avLst/>
+          </a:prstGeom>
+          <a:noFill/>
+        </p:spPr>
+        <p:txBody>
+          <a:bodyPr wrap="square" rtlCol="0">
+            <a:spAutoFit/>
+          </a:bodyPr>
+          <a:lstStyle/>
+          <a:p>
+            <a:pPr algn="ctr"/>
+            <a:r>
+              <a:rPr lang="en-US" sz="2400" b="1" dirty="0">
+                <a:solidFill>
+                  <a:schemeClr val="accent1">
+                    <a:lumMod val="75000"/>
+                  </a:schemeClr>
+                </a:solidFill>
+              </a:rPr>
+              <a:t>								   Worker file</a:t>
+            </a:r>
+            <a:endParaRPr lang="el-GR" sz="2400" b="1" dirty="0">
+              <a:solidFill>
+                <a:schemeClr val="accent1">
+                  <a:lumMod val="75000"/>
+                </a:schemeClr>
+              </a:solidFill>
+            </a:endParaRPr>
+          </a:p>
+        </p:txBody>
+      </p:sp>
+      <p:sp>
+        <p:nvSpPr>
+          <p:cNvPr id="6" name="TextBox 5">
+            <a:extLst>
+              <a:ext uri="{FF2B5EF4-FFF2-40B4-BE49-F238E27FC236}">
+                <a16:creationId xmlns:a16="http://schemas.microsoft.com/office/drawing/2014/main" id="{7B5A4DF1-88D4-4337-8895-549FFCDDE091}"/>
+              </a:ext>
+            </a:extLst>
+          </p:cNvPr>
+          <p:cNvSpPr txBox="1"/>
+          <p:nvPr/>
+        </p:nvSpPr>
+        <p:spPr>
+          <a:xfrm>
+            <a:off x="125046" y="1828799"/>
+            <a:ext cx="11769969" cy="830997"/>
+          </a:xfrm>
+          <a:prstGeom prst="rect">
+            <a:avLst/>
+          </a:prstGeom>
+          <a:noFill/>
+        </p:spPr>
+        <p:txBody>
+          <a:bodyPr wrap="square" rtlCol="0">
+            <a:spAutoFit/>
+          </a:bodyPr>
+          <a:lstStyle/>
+          <a:p>
+            <a:pPr algn="just"/>
+            <a:endParaRPr lang="en-US" sz="1600" u="sng" dirty="0"/>
+          </a:p>
+          <a:p>
+            <a:pPr algn="just"/>
+            <a:endParaRPr lang="en-US" sz="1600" dirty="0"/>
+          </a:p>
+          <a:p>
+            <a:pPr marL="285750" indent="-285750" algn="just">
+              <a:buFont typeface="Arial" panose="020B0604020202020204" pitchFamily="34" charset="0"/>
+              <a:buChar char="•"/>
+            </a:pPr>
+            <a:endParaRPr lang="el-GR" sz="1600" dirty="0"/>
+          </a:p>
+        </p:txBody>
+      </p:sp>
+      <p:pic>
+        <p:nvPicPr>
+          <p:cNvPr id="4" name="Picture 3">
+            <a:extLst>
+              <a:ext uri="{FF2B5EF4-FFF2-40B4-BE49-F238E27FC236}">
+                <a16:creationId xmlns:a16="http://schemas.microsoft.com/office/drawing/2014/main" id="{7EFD5EB6-C911-4773-B16D-1A3F34153836}"/>
+              </a:ext>
+            </a:extLst>
+          </p:cNvPr>
+          <p:cNvPicPr>
+            <a:picLocks noChangeAspect="1"/>
+          </p:cNvPicPr>
+          <p:nvPr/>
+        </p:nvPicPr>
+        <p:blipFill>
+          <a:blip r:embed="rId2">
+            <a:extLst>
+              <a:ext uri="{28A0092B-C50C-407E-A947-70E740481C1C}">
+                <a14:useLocalDpi xmlns:a14="http://schemas.microsoft.com/office/drawing/2010/main" val="0"/>
+              </a:ext>
+            </a:extLst>
+          </a:blip>
+          <a:stretch>
+            <a:fillRect/>
+          </a:stretch>
+        </p:blipFill>
+        <p:spPr>
+          <a:xfrm>
+            <a:off x="125046" y="1406770"/>
+            <a:ext cx="7401169" cy="5134708"/>
+          </a:xfrm>
+          <a:prstGeom prst="rect">
+            <a:avLst/>
+          </a:prstGeom>
+        </p:spPr>
+      </p:pic>
+      <p:sp>
+        <p:nvSpPr>
+          <p:cNvPr id="5" name="TextBox 4">
+            <a:extLst>
+              <a:ext uri="{FF2B5EF4-FFF2-40B4-BE49-F238E27FC236}">
+                <a16:creationId xmlns:a16="http://schemas.microsoft.com/office/drawing/2014/main" id="{CAFBF5C6-3F17-427B-94B7-7A79CA174A10}"/>
+              </a:ext>
+            </a:extLst>
+          </p:cNvPr>
+          <p:cNvSpPr txBox="1"/>
+          <p:nvPr/>
+        </p:nvSpPr>
+        <p:spPr>
+          <a:xfrm>
+            <a:off x="7698154" y="1375508"/>
+            <a:ext cx="4368800" cy="5035353"/>
+          </a:xfrm>
+          <a:prstGeom prst="rect">
+            <a:avLst/>
+          </a:prstGeom>
+          <a:noFill/>
+        </p:spPr>
+        <p:txBody>
+          <a:bodyPr wrap="square" rtlCol="0">
+            <a:spAutoFit/>
+          </a:bodyPr>
+          <a:lstStyle/>
+          <a:p>
+            <a:pPr>
+              <a:lnSpc>
+                <a:spcPct val="150000"/>
+              </a:lnSpc>
+            </a:pPr>
+            <a:r>
+              <a:rPr lang="en-US" dirty="0"/>
+              <a:t>Most of the work of the application happens in the Worker file, especially in the </a:t>
+            </a:r>
+            <a:r>
+              <a:rPr lang="en-US" u="sng" dirty="0">
+                <a:solidFill>
+                  <a:srgbClr val="C00000"/>
+                </a:solidFill>
+              </a:rPr>
+              <a:t>ExecuteAsync</a:t>
+            </a:r>
+            <a:r>
+              <a:rPr lang="en-US" dirty="0"/>
+              <a:t> task function and most of the logic is implemented here.</a:t>
+            </a:r>
+          </a:p>
+          <a:p>
+            <a:pPr>
+              <a:lnSpc>
+                <a:spcPct val="150000"/>
+              </a:lnSpc>
+            </a:pPr>
+            <a:r>
+              <a:rPr lang="en-US" dirty="0"/>
+              <a:t>The </a:t>
+            </a:r>
+            <a:r>
+              <a:rPr lang="en-US" dirty="0">
+                <a:solidFill>
+                  <a:srgbClr val="C00000"/>
+                </a:solidFill>
+              </a:rPr>
+              <a:t>continuous operation </a:t>
+            </a:r>
+            <a:r>
+              <a:rPr lang="en-US" dirty="0"/>
+              <a:t>of the service is ensured with the </a:t>
+            </a:r>
+            <a:r>
+              <a:rPr lang="en-US" dirty="0">
+                <a:solidFill>
+                  <a:srgbClr val="C00000"/>
+                </a:solidFill>
+              </a:rPr>
+              <a:t>While loop</a:t>
+            </a:r>
+            <a:r>
+              <a:rPr lang="en-US" dirty="0"/>
+              <a:t>. </a:t>
+            </a:r>
+          </a:p>
+          <a:p>
+            <a:pPr>
+              <a:lnSpc>
+                <a:spcPct val="150000"/>
+              </a:lnSpc>
+            </a:pPr>
+            <a:r>
+              <a:rPr lang="en-US" dirty="0"/>
+              <a:t>The </a:t>
+            </a:r>
+            <a:r>
+              <a:rPr lang="en-US" dirty="0">
+                <a:solidFill>
+                  <a:srgbClr val="C00000"/>
+                </a:solidFill>
+              </a:rPr>
+              <a:t>decision</a:t>
+            </a:r>
+            <a:r>
+              <a:rPr lang="en-US" dirty="0"/>
+              <a:t> to perform the procedure or not based on time/day criteria is handled </a:t>
+            </a:r>
+          </a:p>
+          <a:p>
+            <a:pPr>
+              <a:lnSpc>
+                <a:spcPct val="150000"/>
+              </a:lnSpc>
+            </a:pPr>
+            <a:r>
+              <a:rPr lang="en-US" dirty="0"/>
+              <a:t>with an </a:t>
+            </a:r>
+            <a:r>
+              <a:rPr lang="en-US" dirty="0">
+                <a:solidFill>
+                  <a:srgbClr val="C00000"/>
+                </a:solidFill>
+              </a:rPr>
+              <a:t>if statement</a:t>
+            </a:r>
+          </a:p>
+          <a:p>
+            <a:pPr>
+              <a:lnSpc>
+                <a:spcPct val="150000"/>
+              </a:lnSpc>
+            </a:pPr>
+            <a:r>
+              <a:rPr lang="en-US" dirty="0"/>
+              <a:t>Lastly, the </a:t>
+            </a:r>
+            <a:r>
+              <a:rPr lang="en-US" dirty="0">
+                <a:solidFill>
+                  <a:srgbClr val="C00000"/>
+                </a:solidFill>
+              </a:rPr>
+              <a:t>time interval </a:t>
+            </a:r>
+            <a:r>
+              <a:rPr lang="en-US" dirty="0"/>
+              <a:t>that our service will be performing  is implemented with the last line, </a:t>
+            </a:r>
+            <a:r>
+              <a:rPr lang="en-US" u="sng" dirty="0">
+                <a:solidFill>
+                  <a:srgbClr val="C00000"/>
+                </a:solidFill>
+              </a:rPr>
+              <a:t>Task.Delay() </a:t>
+            </a:r>
+            <a:endParaRPr lang="el-GR" u="sng" dirty="0">
+              <a:solidFill>
+                <a:srgbClr val="C00000"/>
+              </a:solidFill>
+            </a:endParaRPr>
+          </a:p>
+        </p:txBody>
+      </p:sp>
+    </p:spTree>
+    <p:extLst>
+      <p:ext uri="{BB962C8B-B14F-4D97-AF65-F5344CB8AC3E}">
+        <p14:creationId xmlns:p14="http://schemas.microsoft.com/office/powerpoint/2010/main" val="3108039011"/>
+      </p:ext>
+    </p:extLst>
+  </p:cSld>
+  <p:clrMapOvr>
+    <a:masterClrMapping/>
+  </p:clrMapOvr>
+</p:sld>
+</file>
+
+<file path=ppt/slides/slide13.xml><?xml version="1.0" encoding="utf-8"?>
+<p:sld xmlns:a="http://schemas.openxmlformats.org/drawingml/2006/main" xmlns:r="http://schemas.openxmlformats.org/officeDocument/2006/relationships" xmlns:p="http://schemas.openxmlformats.org/presentationml/2006/main">
+  <p:cSld>
+    <p:spTree>
+      <p:nvGrpSpPr>
+        <p:cNvPr id="1" name=""/>
+        <p:cNvGrpSpPr/>
+        <p:nvPr/>
+      </p:nvGrpSpPr>
+      <p:grpSpPr>
+        <a:xfrm>
+          <a:off x="0" y="0"/>
+          <a:ext cx="0" cy="0"/>
+          <a:chOff x="0" y="0"/>
+          <a:chExt cx="0" cy="0"/>
+        </a:xfrm>
+      </p:grpSpPr>
+      <p:sp>
+        <p:nvSpPr>
+          <p:cNvPr id="6" name="TextBox 5">
+            <a:extLst>
+              <a:ext uri="{FF2B5EF4-FFF2-40B4-BE49-F238E27FC236}">
+                <a16:creationId xmlns:a16="http://schemas.microsoft.com/office/drawing/2014/main" id="{7B5A4DF1-88D4-4337-8895-549FFCDDE091}"/>
+              </a:ext>
+            </a:extLst>
+          </p:cNvPr>
+          <p:cNvSpPr txBox="1"/>
+          <p:nvPr/>
+        </p:nvSpPr>
+        <p:spPr>
+          <a:xfrm>
+            <a:off x="0" y="2536448"/>
+            <a:ext cx="12192000" cy="584775"/>
+          </a:xfrm>
+          <a:prstGeom prst="rect">
+            <a:avLst/>
+          </a:prstGeom>
+          <a:noFill/>
+        </p:spPr>
+        <p:txBody>
+          <a:bodyPr wrap="square" rtlCol="0">
+            <a:spAutoFit/>
+          </a:bodyPr>
+          <a:lstStyle/>
+          <a:p>
+            <a:pPr algn="just"/>
+            <a:endParaRPr lang="en-US" sz="1600" u="sng" dirty="0"/>
+          </a:p>
+          <a:p>
+            <a:pPr marL="285750" indent="-285750" algn="just">
+              <a:buFont typeface="Arial" panose="020B0604020202020204" pitchFamily="34" charset="0"/>
+              <a:buChar char="•"/>
+            </a:pPr>
+            <a:endParaRPr lang="el-GR" sz="1600" dirty="0"/>
+          </a:p>
+        </p:txBody>
+      </p:sp>
+      <p:sp>
+        <p:nvSpPr>
+          <p:cNvPr id="2" name="TextBox 1">
+            <a:extLst>
+              <a:ext uri="{FF2B5EF4-FFF2-40B4-BE49-F238E27FC236}">
+                <a16:creationId xmlns:a16="http://schemas.microsoft.com/office/drawing/2014/main" id="{F0ABDC4D-C52E-4C7C-979E-33F1FAF90B9D}"/>
+              </a:ext>
+            </a:extLst>
+          </p:cNvPr>
+          <p:cNvSpPr txBox="1"/>
+          <p:nvPr/>
+        </p:nvSpPr>
+        <p:spPr>
+          <a:xfrm>
+            <a:off x="0" y="2567225"/>
+            <a:ext cx="12192000" cy="523220"/>
+          </a:xfrm>
+          <a:prstGeom prst="rect">
+            <a:avLst/>
+          </a:prstGeom>
+          <a:noFill/>
+        </p:spPr>
+        <p:txBody>
+          <a:bodyPr wrap="square" rtlCol="0">
+            <a:spAutoFit/>
+          </a:bodyPr>
+          <a:lstStyle/>
+          <a:p>
+            <a:pPr algn="ctr"/>
+            <a:r>
+              <a:rPr lang="en-US" sz="2800" dirty="0">
+                <a:solidFill>
+                  <a:schemeClr val="accent1">
+                    <a:lumMod val="75000"/>
+                  </a:schemeClr>
+                </a:solidFill>
+              </a:rPr>
+              <a:t>Thank you for your time</a:t>
+            </a:r>
+            <a:endParaRPr lang="el-GR" sz="2800" dirty="0">
+              <a:solidFill>
+                <a:schemeClr val="accent1">
+                  <a:lumMod val="75000"/>
+                </a:schemeClr>
+              </a:solidFill>
+            </a:endParaRPr>
+          </a:p>
+        </p:txBody>
+      </p:sp>
+    </p:spTree>
+    <p:extLst>
+      <p:ext uri="{BB962C8B-B14F-4D97-AF65-F5344CB8AC3E}">
+        <p14:creationId xmlns:p14="http://schemas.microsoft.com/office/powerpoint/2010/main" val="1809380392"/>
+      </p:ext>
+    </p:extLst>
+  </p:cSld>
+  <p:clrMapOvr>
+    <a:masterClrMapping/>
+  </p:clrMapOvr>
+</p:sld>
+</file>
+
 <file path=ppt/slides/slide2.xml><?xml version="1.0" encoding="utf-8"?>
 <p:sld xmlns:a="http://schemas.openxmlformats.org/drawingml/2006/main" xmlns:r="http://schemas.openxmlformats.org/officeDocument/2006/relationships" xmlns:p="http://schemas.openxmlformats.org/presentationml/2006/main">
   <p:cSld>
@@ -4413,8 +5351,8 @@
         </p:nvSpPr>
         <p:spPr>
           <a:xfrm>
-            <a:off x="0" y="1023816"/>
-            <a:ext cx="12192000" cy="461665"/>
+            <a:off x="7330831" y="117231"/>
+            <a:ext cx="3368430" cy="1200329"/>
           </a:xfrm>
           <a:prstGeom prst="rect">
             <a:avLst/>
@@ -4436,7 +5374,7 @@
                   </a:schemeClr>
                 </a:solidFill>
               </a:rPr>
-              <a:t>								Data Inputs</a:t>
+              <a:t>							     Data Inputs</a:t>
             </a:r>
             <a:endParaRPr lang="el-GR" sz="2400" b="1" dirty="0">
               <a:solidFill>
@@ -4543,15 +5481,7 @@
           <a:p>
             <a:r>
               <a:rPr lang="en-US" sz="1600" dirty="0"/>
-              <a:t>This way, if we wanted to perform changes in our Windows Service, or have it run in multiple instances with different business requirements, we only have to change those settings, instead of modifying the </a:t>
-            </a:r>
-            <a:r>
-              <a:rPr lang="en-US" sz="1600"/>
-              <a:t>code  extensively</a:t>
-            </a:r>
-            <a:r>
-              <a:rPr lang="en-US" sz="1600" dirty="0"/>
-              <a:t>.  </a:t>
+              <a:t>This way, if we wanted to perform changes in our Windows Service, or have it run in multiple instances with different business requirements, we only have to change those settings, instead of modifying the code  extensively.  </a:t>
             </a:r>
             <a:endParaRPr lang="el-GR" sz="1600" dirty="0"/>
           </a:p>
@@ -4709,7 +5639,7 @@
         </p:nvSpPr>
         <p:spPr>
           <a:xfrm>
-            <a:off x="171939" y="4362217"/>
+            <a:off x="78155" y="4506217"/>
             <a:ext cx="5924061" cy="1569660"/>
           </a:xfrm>
           <a:prstGeom prst="rect">
@@ -4737,7 +5667,7 @@
             </a:r>
             <a:r>
               <a:rPr lang="en-US" sz="1600" dirty="0"/>
-              <a:t> and its complimentary packages were used, bypassing the default Visual Studio console logging capacities. The Logger, exports its messages into a simple “.txt” file and it ensures better debugging and understanding of the progress of the process. To the right is the setup of the Logger, in 2 environments, DEBUG and RELEASE</a:t>
+              <a:t> and its complimentary packages were used, bypassing the default Visual Studio console logging capacities. The Logger, exports its messages into a simple “.txt” file and it ensures better debugging and understanding of the progress of the service. To the right, is the setup of the Logger, in 2 environments, DEBUG and RELEASE</a:t>
             </a:r>
             <a:r>
               <a:rPr lang="en-US" sz="1400" dirty="0"/>
@@ -4776,7 +5706,7 @@
         <p:spPr>
           <a:xfrm>
             <a:off x="6189785" y="1767006"/>
-            <a:ext cx="5830276" cy="4164871"/>
+            <a:ext cx="5830276" cy="4618163"/>
           </a:xfrm>
           <a:prstGeom prst="rect">
             <a:avLst/>
@@ -4827,7 +5757,7 @@
         </p:nvSpPr>
         <p:spPr>
           <a:xfrm>
-            <a:off x="54738" y="1070560"/>
+            <a:off x="0" y="1140970"/>
             <a:ext cx="4423507" cy="5173858"/>
           </a:xfrm>
           <a:prstGeom prst="rect">
@@ -4895,7 +5825,7 @@
         </p:blipFill>
         <p:spPr>
           <a:xfrm>
-            <a:off x="134431" y="1140970"/>
+            <a:off x="142249" y="1231148"/>
             <a:ext cx="4281261" cy="4646469"/>
           </a:xfrm>
           <a:prstGeom prst="rect">
@@ -4917,7 +5847,7 @@
         </p:nvSpPr>
         <p:spPr>
           <a:xfrm>
-            <a:off x="501753" y="5877617"/>
+            <a:off x="521218" y="5957723"/>
             <a:ext cx="3381069" cy="276999"/>
           </a:xfrm>
           <a:prstGeom prst="rect">
@@ -4959,13 +5889,15 @@
               </a:ext>
             </a:extLst>
           </p:cNvPr>
-          <p:cNvCxnSpPr/>
+          <p:cNvCxnSpPr>
+            <a:cxnSpLocks/>
+          </p:cNvCxnSpPr>
           <p:nvPr/>
         </p:nvCxnSpPr>
         <p:spPr>
           <a:xfrm>
-            <a:off x="4712677" y="414215"/>
-            <a:ext cx="0" cy="5830277"/>
+            <a:off x="4712677" y="679938"/>
+            <a:ext cx="0" cy="5564554"/>
           </a:xfrm>
           <a:prstGeom prst="line">
             <a:avLst/>
@@ -5055,7 +5987,7 @@
         <p:spPr>
           <a:xfrm>
             <a:off x="4790831" y="1070560"/>
-            <a:ext cx="7346431" cy="1077218"/>
+            <a:ext cx="7346431" cy="1200329"/>
           </a:xfrm>
           <a:prstGeom prst="rect">
             <a:avLst/>
@@ -5069,10 +6001,10 @@
           <a:lstStyle/>
           <a:p>
             <a:r>
-              <a:rPr lang="en-US" sz="1600" dirty="0"/>
-              <a:t>The other 2 output files that the app produces are 2 separate .csv files in the current working directory, titled “Mgo.csv” and “Vlsfo.csv”. They contain the scraped data that we gathered and are updated every time the worker service running interval is reached.  Below is a snippet from both of the files</a:t>
-            </a:r>
-            <a:endParaRPr lang="el-GR" sz="1600" dirty="0"/>
+              <a:rPr lang="en-US" dirty="0"/>
+              <a:t>The other 2 output files that the app produces are 2 separate .csv files in the current working directory, titled “Mgo.csv” and “Vlsfo.csv”. They contain the scraped data that we gathered and are updated every time the worker service running interval is reached.  Below is a snippet from both of the files.</a:t>
+            </a:r>
+            <a:endParaRPr lang="el-GR" dirty="0"/>
           </a:p>
         </p:txBody>
       </p:sp>
@@ -5104,7 +6036,7 @@
         </p:blipFill>
         <p:spPr>
           <a:xfrm>
-            <a:off x="4938009" y="2194973"/>
+            <a:off x="4938009" y="2270889"/>
             <a:ext cx="7119560" cy="4049519"/>
           </a:xfrm>
           <a:prstGeom prst="rect">

--- a/ShipBunkerWindowsService/Documentation/WebScraperPresentation.pptx
+++ b/ShipBunkerWindowsService/Documentation/WebScraperPresentation.pptx
@@ -4833,7 +4833,7 @@
                 </a:solidFill>
                 <a:sym typeface="Wingdings" panose="05000000000000000000" pitchFamily="2" charset="2"/>
               </a:rPr>
-              <a:t> this case</a:t>
+              <a:t> our case</a:t>
             </a:r>
             <a:endParaRPr lang="en-US" sz="1600" dirty="0">
               <a:solidFill>
@@ -4857,7 +4857,7 @@
         </p:nvSpPr>
         <p:spPr>
           <a:xfrm>
-            <a:off x="6096000" y="2032000"/>
+            <a:off x="6096000" y="1571229"/>
             <a:ext cx="5642707" cy="4308872"/>
           </a:xfrm>
           <a:prstGeom prst="rect">

--- a/ShipBunkerWindowsService/Documentation/WebScraperPresentation.pptx
+++ b/ShipBunkerWindowsService/Documentation/WebScraperPresentation.pptx
@@ -5219,8 +5219,8 @@
         </p:nvSpPr>
         <p:spPr>
           <a:xfrm>
-            <a:off x="4704862" y="1597709"/>
-            <a:ext cx="3712307" cy="4278094"/>
+            <a:off x="4634524" y="1597709"/>
+            <a:ext cx="3782646" cy="4801314"/>
           </a:xfrm>
           <a:prstGeom prst="rect">
             <a:avLst/>
@@ -5234,11 +5234,11 @@
           <a:lstStyle/>
           <a:p>
             <a:r>
-              <a:rPr lang="en-US" sz="1600" dirty="0"/>
+              <a:rPr lang="en-US" dirty="0"/>
               <a:t>(Left)The website I chose to collect data from is called </a:t>
             </a:r>
             <a:r>
-              <a:rPr lang="en-US" sz="1600" dirty="0">
+              <a:rPr lang="en-US" dirty="0">
                 <a:solidFill>
                   <a:srgbClr val="C00000"/>
                 </a:solidFill>
@@ -5246,26 +5246,20 @@
               <a:t>shipandbunker.com </a:t>
             </a:r>
             <a:r>
-              <a:rPr lang="en-US" sz="1600" dirty="0"/>
-              <a:t>and provides financial</a:t>
-            </a:r>
-          </a:p>
-          <a:p>
-            <a:r>
-              <a:rPr lang="en-US" sz="1600" dirty="0"/>
-              <a:t>Info about oil and bunkering prices in ports, all around the world.</a:t>
-            </a:r>
-          </a:p>
-          <a:p>
-            <a:endParaRPr lang="en-US" sz="1600" dirty="0"/>
-          </a:p>
-          <a:p>
-            <a:r>
-              <a:rPr lang="en-US" sz="1600" dirty="0"/>
+              <a:rPr lang="en-US" dirty="0"/>
+              <a:t>and provides financial info about oil and bunkering prices in ports, all around the world.</a:t>
+            </a:r>
+          </a:p>
+          <a:p>
+            <a:endParaRPr lang="en-US" dirty="0"/>
+          </a:p>
+          <a:p>
+            <a:r>
+              <a:rPr lang="en-US" dirty="0"/>
               <a:t>Specifically, I scraped 2 tables from the </a:t>
             </a:r>
             <a:r>
-              <a:rPr lang="en-US" sz="1600" dirty="0">
+              <a:rPr lang="en-US" dirty="0">
                 <a:solidFill>
                   <a:srgbClr val="C00000"/>
                 </a:solidFill>
@@ -5273,26 +5267,20 @@
               <a:t>Global Average section</a:t>
             </a:r>
             <a:r>
-              <a:rPr lang="en-US" sz="1600" dirty="0"/>
-              <a:t>(right), that presented the price, change, high and low and spread. </a:t>
-            </a:r>
-          </a:p>
-          <a:p>
-            <a:r>
-              <a:rPr lang="en-US" sz="1600" dirty="0"/>
-              <a:t>The first table has data about Marine Gas Oil and the second about VLSFO Fuel Oil. </a:t>
-            </a:r>
-          </a:p>
-          <a:p>
-            <a:endParaRPr lang="en-US" sz="1600" dirty="0"/>
-          </a:p>
-          <a:p>
-            <a:r>
-              <a:rPr lang="en-US" sz="1600" dirty="0"/>
+              <a:rPr lang="en-US" dirty="0"/>
+              <a:t>(right), that presented the price, change, high and low and spread. The first table has data about Marine Gas Oil and the second about VLSFO Fuel Oil. </a:t>
+            </a:r>
+          </a:p>
+          <a:p>
+            <a:endParaRPr lang="en-US" dirty="0"/>
+          </a:p>
+          <a:p>
+            <a:r>
+              <a:rPr lang="en-US" dirty="0"/>
               <a:t>The </a:t>
             </a:r>
             <a:r>
-              <a:rPr lang="en-US" sz="1600" dirty="0">
+              <a:rPr lang="en-US" dirty="0">
                 <a:solidFill>
                   <a:srgbClr val="C00000"/>
                 </a:solidFill>
@@ -5300,10 +5288,18 @@
               <a:t>columns of interest </a:t>
             </a:r>
             <a:r>
-              <a:rPr lang="en-US" sz="1600" dirty="0"/>
-              <a:t>in this case were the ones that had the date, the price $/mt and High Low. The red and green symbols were not scraped.</a:t>
-            </a:r>
-            <a:endParaRPr lang="el-GR" sz="1600" dirty="0"/>
+              <a:rPr lang="en-US" dirty="0"/>
+              <a:t>in this case were the ones that had the date, the price $/mt and High Low. The red and </a:t>
+            </a:r>
+            <a:r>
+              <a:rPr lang="en-US"/>
+              <a:t>green arrows </a:t>
+            </a:r>
+            <a:r>
+              <a:rPr lang="en-US" dirty="0"/>
+              <a:t>were not scraped.</a:t>
+            </a:r>
+            <a:endParaRPr lang="el-GR" dirty="0"/>
           </a:p>
         </p:txBody>
       </p:sp>

--- a/ShipBunkerWindowsService/Documentation/WebScraperPresentation.pptx
+++ b/ShipBunkerWindowsService/Documentation/WebScraperPresentation.pptx
@@ -5289,15 +5289,7 @@
             </a:r>
             <a:r>
               <a:rPr lang="en-US" dirty="0"/>
-              <a:t>in this case were the ones that had the date, the price $/mt and High Low. The red and </a:t>
-            </a:r>
-            <a:r>
-              <a:rPr lang="en-US"/>
-              <a:t>green arrows </a:t>
-            </a:r>
-            <a:r>
-              <a:rPr lang="en-US" dirty="0"/>
-              <a:t>were not scraped.</a:t>
+              <a:t>in this case were the ones that had the date, the price $/mt and High Low. The red and green arrows were not scraped.</a:t>
             </a:r>
             <a:endParaRPr lang="el-GR" dirty="0"/>
           </a:p>
@@ -5432,7 +5424,7 @@
         <p:spPr>
           <a:xfrm>
             <a:off x="7330831" y="1570892"/>
-            <a:ext cx="4736123" cy="3785652"/>
+            <a:ext cx="4736123" cy="4524315"/>
           </a:xfrm>
           <a:prstGeom prst="rect">
             <a:avLst/>
@@ -5446,11 +5438,11 @@
           <a:lstStyle/>
           <a:p>
             <a:r>
-              <a:rPr lang="en-US" sz="1600" dirty="0"/>
+              <a:rPr lang="en-US" dirty="0"/>
               <a:t>The vast majority of the data inputs required for the implementation of the service is handled and passed through the </a:t>
             </a:r>
             <a:r>
-              <a:rPr lang="en-US" sz="1600" dirty="0">
+              <a:rPr lang="en-US" dirty="0">
                 <a:solidFill>
                   <a:srgbClr val="C00000"/>
                 </a:solidFill>
@@ -5458,28 +5450,28 @@
               <a:t>appsettings.json </a:t>
             </a:r>
             <a:r>
-              <a:rPr lang="en-US" sz="1600" dirty="0"/>
+              <a:rPr lang="en-US" dirty="0"/>
               <a:t>file of the project.</a:t>
             </a:r>
           </a:p>
           <a:p>
-            <a:endParaRPr lang="en-US" sz="1600" dirty="0"/>
-          </a:p>
-          <a:p>
-            <a:r>
-              <a:rPr lang="en-US" sz="1600" dirty="0"/>
+            <a:endParaRPr lang="en-US" dirty="0"/>
+          </a:p>
+          <a:p>
+            <a:r>
+              <a:rPr lang="en-US" dirty="0"/>
               <a:t>In this json format, our data gets passed on as configurations in the initial stages of the process, matched with corresponding variables of the same name and then used to perform the tasks that require their use.</a:t>
             </a:r>
           </a:p>
           <a:p>
-            <a:endParaRPr lang="en-US" sz="1600" dirty="0"/>
-          </a:p>
-          <a:p>
-            <a:r>
-              <a:rPr lang="en-US" sz="1600" dirty="0"/>
+            <a:endParaRPr lang="en-US" dirty="0"/>
+          </a:p>
+          <a:p>
+            <a:r>
+              <a:rPr lang="en-US" dirty="0"/>
               <a:t>This way, if we wanted to perform changes in our Windows Service, or have it run in multiple instances with different business requirements, we only have to change those settings, instead of modifying the code  extensively.  </a:t>
             </a:r>
-            <a:endParaRPr lang="el-GR" sz="1600" dirty="0"/>
+            <a:endParaRPr lang="el-GR" dirty="0"/>
           </a:p>
         </p:txBody>
       </p:sp>

--- a/ShipBunkerWindowsService/Documentation/WebScraperPresentation.pptx
+++ b/ShipBunkerWindowsService/Documentation/WebScraperPresentation.pptx
@@ -220,7 +220,7 @@
           <a:p>
             <a:fld id="{29E5236B-1DC8-4D32-8E18-6F1F33636642}" type="datetimeFigureOut">
               <a:rPr lang="el-GR" smtClean="0"/>
-              <a:t>24/5/2023</a:t>
+              <a:t>25/5/2023</a:t>
             </a:fld>
             <a:endParaRPr lang="el-GR"/>
           </a:p>
@@ -865,7 +865,7 @@
           <a:p>
             <a:fld id="{2DFF15D5-D68D-4A4D-8307-41C6391821FB}" type="datetimeFigureOut">
               <a:rPr lang="en-US" smtClean="0"/>
-              <a:t>5/24/2023</a:t>
+              <a:t>5/25/2023</a:t>
             </a:fld>
             <a:endParaRPr lang="en-US"/>
           </a:p>
@@ -1043,7 +1043,7 @@
           <a:p>
             <a:fld id="{2DFF15D5-D68D-4A4D-8307-41C6391821FB}" type="datetimeFigureOut">
               <a:rPr lang="en-US" smtClean="0"/>
-              <a:t>5/24/2023</a:t>
+              <a:t>5/25/2023</a:t>
             </a:fld>
             <a:endParaRPr lang="en-US"/>
           </a:p>
@@ -1211,7 +1211,7 @@
           <a:p>
             <a:fld id="{2DFF15D5-D68D-4A4D-8307-41C6391821FB}" type="datetimeFigureOut">
               <a:rPr lang="en-US" smtClean="0"/>
-              <a:t>5/24/2023</a:t>
+              <a:t>5/25/2023</a:t>
             </a:fld>
             <a:endParaRPr lang="en-US"/>
           </a:p>
@@ -1456,7 +1456,7 @@
           <a:p>
             <a:fld id="{2DFF15D5-D68D-4A4D-8307-41C6391821FB}" type="datetimeFigureOut">
               <a:rPr lang="en-US" smtClean="0"/>
-              <a:t>5/24/2023</a:t>
+              <a:t>5/25/2023</a:t>
             </a:fld>
             <a:endParaRPr lang="en-US"/>
           </a:p>
@@ -1685,7 +1685,7 @@
           <a:p>
             <a:fld id="{2DFF15D5-D68D-4A4D-8307-41C6391821FB}" type="datetimeFigureOut">
               <a:rPr lang="en-US" smtClean="0"/>
-              <a:t>5/24/2023</a:t>
+              <a:t>5/25/2023</a:t>
             </a:fld>
             <a:endParaRPr lang="en-US"/>
           </a:p>
@@ -2049,7 +2049,7 @@
           <a:p>
             <a:fld id="{2DFF15D5-D68D-4A4D-8307-41C6391821FB}" type="datetimeFigureOut">
               <a:rPr lang="en-US" smtClean="0"/>
-              <a:t>5/24/2023</a:t>
+              <a:t>5/25/2023</a:t>
             </a:fld>
             <a:endParaRPr lang="en-US"/>
           </a:p>
@@ -2166,7 +2166,7 @@
           <a:p>
             <a:fld id="{2DFF15D5-D68D-4A4D-8307-41C6391821FB}" type="datetimeFigureOut">
               <a:rPr lang="en-US" smtClean="0"/>
-              <a:t>5/24/2023</a:t>
+              <a:t>5/25/2023</a:t>
             </a:fld>
             <a:endParaRPr lang="en-US"/>
           </a:p>
@@ -2261,7 +2261,7 @@
           <a:p>
             <a:fld id="{2DFF15D5-D68D-4A4D-8307-41C6391821FB}" type="datetimeFigureOut">
               <a:rPr lang="en-US" smtClean="0"/>
-              <a:t>5/24/2023</a:t>
+              <a:t>5/25/2023</a:t>
             </a:fld>
             <a:endParaRPr lang="en-US"/>
           </a:p>
@@ -2536,7 +2536,7 @@
           <a:p>
             <a:fld id="{2DFF15D5-D68D-4A4D-8307-41C6391821FB}" type="datetimeFigureOut">
               <a:rPr lang="en-US" smtClean="0"/>
-              <a:t>5/24/2023</a:t>
+              <a:t>5/25/2023</a:t>
             </a:fld>
             <a:endParaRPr lang="en-US"/>
           </a:p>
@@ -2791,7 +2791,7 @@
           <a:p>
             <a:fld id="{2DFF15D5-D68D-4A4D-8307-41C6391821FB}" type="datetimeFigureOut">
               <a:rPr lang="en-US" smtClean="0"/>
-              <a:t>5/24/2023</a:t>
+              <a:t>5/25/2023</a:t>
             </a:fld>
             <a:endParaRPr lang="en-US"/>
           </a:p>
@@ -3004,7 +3004,7 @@
           <a:p>
             <a:fld id="{2DFF15D5-D68D-4A4D-8307-41C6391821FB}" type="datetimeFigureOut">
               <a:rPr lang="en-US" smtClean="0"/>
-              <a:t>5/24/2023</a:t>
+              <a:t>5/25/2023</a:t>
             </a:fld>
             <a:endParaRPr lang="en-US"/>
           </a:p>
@@ -4511,7 +4511,7 @@
         </p:nvSpPr>
         <p:spPr>
           <a:xfrm>
-            <a:off x="0" y="1086338"/>
+            <a:off x="-67111" y="834668"/>
             <a:ext cx="12192000" cy="461665"/>
           </a:xfrm>
           <a:prstGeom prst="rect">
@@ -4527,10 +4527,22 @@
           <a:p>
             <a:pPr algn="ctr"/>
             <a:r>
-              <a:rPr lang="en-US" sz="2400" dirty="0"/>
+              <a:rPr lang="en-US" sz="2400" dirty="0">
+                <a:solidFill>
+                  <a:schemeClr val="accent1">
+                    <a:lumMod val="75000"/>
+                  </a:schemeClr>
+                </a:solidFill>
+              </a:rPr>
               <a:t>Legal Notice</a:t>
             </a:r>
-            <a:endParaRPr lang="el-GR" sz="2400" dirty="0"/>
+            <a:endParaRPr lang="el-GR" sz="2400" dirty="0">
+              <a:solidFill>
+                <a:schemeClr val="accent1">
+                  <a:lumMod val="75000"/>
+                </a:schemeClr>
+              </a:solidFill>
+            </a:endParaRPr>
           </a:p>
         </p:txBody>
       </p:sp>
@@ -4548,8 +4560,8 @@
         </p:nvSpPr>
         <p:spPr>
           <a:xfrm>
-            <a:off x="0" y="2039815"/>
-            <a:ext cx="12192000" cy="3539430"/>
+            <a:off x="0" y="1578150"/>
+            <a:ext cx="12192000" cy="4801314"/>
           </a:xfrm>
           <a:prstGeom prst="rect">
             <a:avLst/>
@@ -4563,7 +4575,7 @@
           <a:lstStyle/>
           <a:p>
             <a:r>
-              <a:rPr lang="en-US" sz="1600" dirty="0"/>
+              <a:rPr lang="en-US" dirty="0"/>
               <a:t>This work is not in any legal grey or red zone since:</a:t>
             </a:r>
           </a:p>
@@ -4572,10 +4584,7 @@
               <a:buFont typeface="Arial" panose="020B0604020202020204" pitchFamily="34" charset="0"/>
               <a:buChar char="•"/>
             </a:pPr>
-            <a:r>
-              <a:rPr lang="en-US" sz="1600" dirty="0"/>
-              <a:t>It doesn’t infringe, use, publish any kind of personal data in the broader sense (in accordance with the GDPR law framework)</a:t>
-            </a:r>
+            <a:endParaRPr lang="en-US" dirty="0"/>
           </a:p>
           <a:p>
             <a:pPr marL="285750" indent="-285750">
@@ -4583,8 +4592,20 @@
               <a:buChar char="•"/>
             </a:pPr>
             <a:r>
-              <a:rPr lang="en-US" sz="1600" dirty="0"/>
-              <a:t>The data acquired is public and factual information</a:t>
+              <a:rPr lang="en-US" dirty="0"/>
+              <a:t>It doesn’t infringe, use, publish any kind of </a:t>
+            </a:r>
+            <a:r>
+              <a:rPr lang="en-US" dirty="0">
+                <a:solidFill>
+                  <a:srgbClr val="C00000"/>
+                </a:solidFill>
+              </a:rPr>
+              <a:t>personal data</a:t>
+            </a:r>
+            <a:r>
+              <a:rPr lang="en-US" dirty="0"/>
+              <a:t> in the broader sense, in accordance with the GDPR law framework.</a:t>
             </a:r>
           </a:p>
           <a:p>
@@ -4593,8 +4614,8 @@
               <a:buChar char="•"/>
             </a:pPr>
             <a:r>
-              <a:rPr lang="en-US" sz="1600" dirty="0"/>
-              <a:t>No copyright infringement took place, since no website  elements ( in the case of Screen Scraping* ) were gathered in the process, just raw data.</a:t>
+              <a:rPr lang="en-US" dirty="0"/>
+              <a:t>The data acquired is public and factual information</a:t>
             </a:r>
           </a:p>
           <a:p>
@@ -4603,8 +4624,16 @@
               <a:buChar char="•"/>
             </a:pPr>
             <a:r>
-              <a:rPr lang="en-US" sz="1600" dirty="0"/>
-              <a:t>The work in not intended for commercial use or reproduction, republish as my own work, and it’s results won’t be used as a source for further research or conclusions</a:t>
+              <a:rPr lang="en-US" dirty="0">
+                <a:solidFill>
+                  <a:srgbClr val="C00000"/>
+                </a:solidFill>
+              </a:rPr>
+              <a:t>No copyright infringement</a:t>
+            </a:r>
+            <a:r>
+              <a:rPr lang="en-US" dirty="0"/>
+              <a:t> took place, since no website  elements ( in the case of Screen Scraping* ) were gathered in the process, just raw data.</a:t>
             </a:r>
           </a:p>
           <a:p>
@@ -4613,8 +4642,20 @@
               <a:buChar char="•"/>
             </a:pPr>
             <a:r>
-              <a:rPr lang="en-US" sz="1600" dirty="0"/>
-              <a:t>No commercial use of any kind is planned or depends on the gathered data</a:t>
+              <a:rPr lang="en-US" dirty="0"/>
+              <a:t>The work is not intended for </a:t>
+            </a:r>
+            <a:r>
+              <a:rPr lang="en-US" dirty="0">
+                <a:solidFill>
+                  <a:srgbClr val="C00000"/>
+                </a:solidFill>
+              </a:rPr>
+              <a:t>commercial use or reproduction</a:t>
+            </a:r>
+            <a:r>
+              <a:rPr lang="en-US" dirty="0"/>
+              <a:t>, republishing as my own work, and it’s results won’t be used as a source for further research or conclusions.</a:t>
             </a:r>
           </a:p>
           <a:p>
@@ -4622,52 +4663,113 @@
               <a:buFont typeface="Arial" panose="020B0604020202020204" pitchFamily="34" charset="0"/>
               <a:buChar char="•"/>
             </a:pPr>
-            <a:endParaRPr lang="en-US" sz="1600" dirty="0"/>
-          </a:p>
-          <a:p>
-            <a:r>
-              <a:rPr lang="en-US" sz="1600" dirty="0"/>
-              <a:t>The work is thus protected by article 3 and 4 of the Digital Services Act, which aims to bring all EU countries under Digital Single Market(DSM) sharing same regulations. According to Article 3 and 4 of this regulation, “reproduction of publicly available content” is not illegal.</a:t>
-            </a:r>
-          </a:p>
-          <a:p>
-            <a:r>
-              <a:rPr lang="en-US" sz="1600" dirty="0"/>
+            <a:r>
+              <a:rPr lang="en-US" dirty="0"/>
+              <a:t>No commercial use of any kind is planned or depends on the gathered data.</a:t>
+            </a:r>
+          </a:p>
+          <a:p>
+            <a:pPr marL="285750" indent="-285750">
+              <a:buFont typeface="Arial" panose="020B0604020202020204" pitchFamily="34" charset="0"/>
+              <a:buChar char="•"/>
+            </a:pPr>
+            <a:endParaRPr lang="en-US" dirty="0"/>
+          </a:p>
+          <a:p>
+            <a:r>
+              <a:rPr lang="en-US" dirty="0"/>
+              <a:t>The work is thus, protected by </a:t>
+            </a:r>
+            <a:r>
+              <a:rPr lang="en-US" dirty="0">
+                <a:solidFill>
+                  <a:srgbClr val="C00000"/>
+                </a:solidFill>
+              </a:rPr>
+              <a:t>article 3 and 4 of the Digital Services Act</a:t>
+            </a:r>
+            <a:r>
+              <a:rPr lang="en-US" dirty="0"/>
+              <a:t>, which aims to bring all EU countries under Digital Single Market(DSM) sharing the same regulations. According to Article 3 and 4 of this regulation, </a:t>
+            </a:r>
+            <a:r>
+              <a:rPr lang="en-US" dirty="0">
+                <a:solidFill>
+                  <a:srgbClr val="C00000"/>
+                </a:solidFill>
+              </a:rPr>
+              <a:t>“reproduction of publicly available content” is not illegal</a:t>
+            </a:r>
+            <a:r>
+              <a:rPr lang="en-US" dirty="0"/>
+              <a:t>.</a:t>
+            </a:r>
+          </a:p>
+          <a:p>
+            <a:r>
+              <a:rPr lang="en-US" dirty="0"/>
               <a:t>The DSM Directive permits text and data mining, which means:</a:t>
             </a:r>
           </a:p>
           <a:p>
             <a:r>
-              <a:rPr lang="en-US" sz="1600" dirty="0"/>
+              <a:rPr lang="en-US" dirty="0"/>
               <a:t>	“</a:t>
             </a:r>
             <a:r>
-              <a:rPr lang="en-US" sz="1600" dirty="0">
+              <a:rPr lang="en-US" dirty="0">
                 <a:solidFill>
                   <a:schemeClr val="accent1">
                     <a:lumMod val="75000"/>
                   </a:schemeClr>
                 </a:solidFill>
               </a:rPr>
-              <a:t>any automated analytical technique aimed at analyzing text and data in digital form in order to generate information which includes,</a:t>
-            </a:r>
-          </a:p>
-          <a:p>
-            <a:r>
-              <a:rPr lang="en-US" sz="1600" dirty="0">
+              <a:t>any automated analytical technique aimed at analyzing text and data in digital form in order to generate </a:t>
+            </a:r>
+            <a:r>
+              <a:rPr lang="en-US">
                 <a:solidFill>
                   <a:schemeClr val="accent1">
                     <a:lumMod val="75000"/>
                   </a:schemeClr>
                 </a:solidFill>
               </a:rPr>
-              <a:t>	  but is not limited to, patterns, trends and correlations</a:t>
-            </a:r>
-            <a:r>
-              <a:rPr lang="en-US" sz="1600" dirty="0"/>
+              <a:t>information 	 	 which </a:t>
+            </a:r>
+            <a:r>
+              <a:rPr lang="en-US" dirty="0">
+                <a:solidFill>
+                  <a:schemeClr val="accent1">
+                    <a:lumMod val="75000"/>
+                  </a:schemeClr>
+                </a:solidFill>
+              </a:rPr>
+              <a:t>includes, but is not limited to, patterns, trends and correlations</a:t>
+            </a:r>
+            <a:r>
+              <a:rPr lang="en-US" dirty="0"/>
               <a:t>.”</a:t>
             </a:r>
-            <a:endParaRPr lang="el-GR" sz="1600" dirty="0"/>
+            <a:endParaRPr lang="en-US" dirty="0">
+              <a:solidFill>
+                <a:schemeClr val="accent1">
+                  <a:lumMod val="75000"/>
+                </a:schemeClr>
+              </a:solidFill>
+            </a:endParaRPr>
+          </a:p>
+          <a:p>
+            <a:r>
+              <a:rPr lang="en-US" dirty="0">
+                <a:solidFill>
+                  <a:schemeClr val="accent1">
+                    <a:lumMod val="75000"/>
+                  </a:schemeClr>
+                </a:solidFill>
+              </a:rPr>
+              <a:t>	</a:t>
+            </a:r>
+            <a:endParaRPr lang="el-GR" dirty="0"/>
           </a:p>
         </p:txBody>
       </p:sp>

--- a/ShipBunkerWindowsService/Documentation/WebScraperPresentation.pptx
+++ b/ShipBunkerWindowsService/Documentation/WebScraperPresentation.pptx
@@ -3578,7 +3578,7 @@
         <p:spPr>
           <a:xfrm>
             <a:off x="8869283" y="812800"/>
-            <a:ext cx="3322717" cy="3554819"/>
+            <a:ext cx="3322717" cy="4216539"/>
           </a:xfrm>
           <a:prstGeom prst="rect">
             <a:avLst/>
@@ -3592,12 +3592,24 @@
           <a:lstStyle/>
           <a:p>
             <a:r>
-              <a:rPr lang="en-US" dirty="0"/>
-              <a:t>The 5 functions that handle the logic and most of the business requirements of the Service</a:t>
-            </a:r>
-          </a:p>
-          <a:p>
-            <a:endParaRPr lang="en-US" dirty="0"/>
+              <a:rPr lang="en-US" sz="2000" dirty="0"/>
+              <a:t>The </a:t>
+            </a:r>
+            <a:r>
+              <a:rPr lang="en-US" sz="2000" dirty="0">
+                <a:solidFill>
+                  <a:srgbClr val="C00000"/>
+                </a:solidFill>
+              </a:rPr>
+              <a:t>5 functions</a:t>
+            </a:r>
+            <a:r>
+              <a:rPr lang="en-US" sz="2000" dirty="0"/>
+              <a:t> that handle the logic and most of the business requirements of the Service</a:t>
+            </a:r>
+          </a:p>
+          <a:p>
+            <a:endParaRPr lang="en-US" sz="2000" dirty="0"/>
           </a:p>
           <a:p>
             <a:pPr marL="742950" lvl="1" indent="-285750">
@@ -3608,7 +3620,7 @@
               <a:buChar char="•"/>
             </a:pPr>
             <a:r>
-              <a:rPr lang="en-US" dirty="0"/>
+              <a:rPr lang="en-US" sz="2000" dirty="0"/>
               <a:t>ValidRunningTime</a:t>
             </a:r>
           </a:p>
@@ -3621,7 +3633,7 @@
               <a:buChar char="•"/>
             </a:pPr>
             <a:r>
-              <a:rPr lang="en-US" dirty="0"/>
+              <a:rPr lang="en-US" sz="2000" dirty="0"/>
               <a:t>IsoFormatConverter</a:t>
             </a:r>
           </a:p>
@@ -3634,7 +3646,7 @@
               <a:buChar char="•"/>
             </a:pPr>
             <a:r>
-              <a:rPr lang="en-US" dirty="0"/>
+              <a:rPr lang="en-US" sz="2000" dirty="0"/>
               <a:t>DocumentLoader</a:t>
             </a:r>
           </a:p>
@@ -3647,7 +3659,7 @@
               <a:buChar char="•"/>
             </a:pPr>
             <a:r>
-              <a:rPr lang="en-US" dirty="0"/>
+              <a:rPr lang="en-US" sz="2000" dirty="0"/>
               <a:t>ScrapingLogic</a:t>
             </a:r>
           </a:p>
@@ -3660,7 +3672,7 @@
               <a:buChar char="•"/>
             </a:pPr>
             <a:r>
-              <a:rPr lang="en-US" dirty="0"/>
+              <a:rPr lang="en-US" sz="2000" dirty="0"/>
               <a:t>CsvOutput</a:t>
             </a:r>
           </a:p>
@@ -3803,7 +3815,7 @@
         <p:spPr>
           <a:xfrm>
             <a:off x="125046" y="1828799"/>
-            <a:ext cx="11769969" cy="4985980"/>
+            <a:ext cx="11769969" cy="4524315"/>
           </a:xfrm>
           <a:prstGeom prst="rect">
             <a:avLst/>
@@ -3818,11 +3830,11 @@
           <a:p>
             <a:pPr lvl="1">
               <a:lnSpc>
-                <a:spcPct val="250000"/>
+                <a:spcPct val="200000"/>
               </a:lnSpc>
             </a:pPr>
             <a:r>
-              <a:rPr lang="en-US" b="1" u="sng" dirty="0">
+              <a:rPr lang="en-US" sz="2000" b="1" u="sng" dirty="0">
                 <a:solidFill>
                   <a:srgbClr val="C00000"/>
                 </a:solidFill>
@@ -3830,7 +3842,7 @@
               <a:t>ValidRunningTime</a:t>
             </a:r>
             <a:r>
-              <a:rPr lang="en-US" u="sng" dirty="0">
+              <a:rPr lang="en-US" sz="2000" u="sng" dirty="0">
                 <a:solidFill>
                   <a:srgbClr val="C00000"/>
                 </a:solidFill>
@@ -3838,7 +3850,7 @@
               <a:t>:</a:t>
             </a:r>
             <a:r>
-              <a:rPr lang="en-US" dirty="0">
+              <a:rPr lang="en-US" sz="2000" dirty="0">
                 <a:solidFill>
                   <a:srgbClr val="C00000"/>
                 </a:solidFill>
@@ -3846,10 +3858,10 @@
               <a:t> </a:t>
             </a:r>
             <a:r>
-              <a:rPr lang="en-US" dirty="0"/>
-              <a:t>Handles the important condition about the running times/days of the service. It is used frequently to ensure the adherence to our business requirements</a:t>
-            </a:r>
-            <a:endParaRPr lang="en-US" u="sng" dirty="0">
+              <a:rPr lang="en-US" sz="2000" dirty="0"/>
+              <a:t>Handles the important condition about the running times and days of the service. It is used in every interval to ensure the adherence to our business requirements</a:t>
+            </a:r>
+            <a:endParaRPr lang="en-US" sz="2000" u="sng" dirty="0">
               <a:solidFill>
                 <a:srgbClr val="C00000"/>
               </a:solidFill>
@@ -3858,11 +3870,11 @@
           <a:p>
             <a:pPr lvl="1">
               <a:lnSpc>
-                <a:spcPct val="250000"/>
+                <a:spcPct val="200000"/>
               </a:lnSpc>
             </a:pPr>
             <a:r>
-              <a:rPr lang="en-US" b="1" u="sng" dirty="0">
+              <a:rPr lang="en-US" sz="2000" b="1" u="sng" dirty="0">
                 <a:solidFill>
                   <a:srgbClr val="C00000"/>
                 </a:solidFill>
@@ -3870,7 +3882,7 @@
               <a:t>IsoFormatConverter</a:t>
             </a:r>
             <a:r>
-              <a:rPr lang="en-US" u="sng" dirty="0">
+              <a:rPr lang="en-US" sz="2000" u="sng" dirty="0">
                 <a:solidFill>
                   <a:srgbClr val="C00000"/>
                 </a:solidFill>
@@ -3878,7 +3890,7 @@
               <a:t>:</a:t>
             </a:r>
             <a:r>
-              <a:rPr lang="en-US" dirty="0">
+              <a:rPr lang="en-US" sz="2000" dirty="0">
                 <a:solidFill>
                   <a:srgbClr val="C00000"/>
                 </a:solidFill>
@@ -3886,10 +3898,10 @@
               <a:t> </a:t>
             </a:r>
             <a:r>
-              <a:rPr lang="en-US" dirty="0"/>
+              <a:rPr lang="en-US" sz="2000" dirty="0"/>
               <a:t>Converts the date column that we scraped, into ISO time format</a:t>
             </a:r>
-            <a:endParaRPr lang="en-US" u="sng" dirty="0">
+            <a:endParaRPr lang="en-US" sz="2000" u="sng" dirty="0">
               <a:solidFill>
                 <a:srgbClr val="C00000"/>
               </a:solidFill>
@@ -3898,11 +3910,11 @@
           <a:p>
             <a:pPr lvl="1">
               <a:lnSpc>
-                <a:spcPct val="250000"/>
+                <a:spcPct val="200000"/>
               </a:lnSpc>
             </a:pPr>
             <a:r>
-              <a:rPr lang="en-US" b="1" u="sng" dirty="0">
+              <a:rPr lang="en-US" sz="2000" b="1" u="sng" dirty="0">
                 <a:solidFill>
                   <a:srgbClr val="C00000"/>
                 </a:solidFill>
@@ -3910,7 +3922,7 @@
               <a:t>DocumentLoader</a:t>
             </a:r>
             <a:r>
-              <a:rPr lang="en-US" u="sng" dirty="0">
+              <a:rPr lang="en-US" sz="2000" u="sng" dirty="0">
                 <a:solidFill>
                   <a:srgbClr val="C00000"/>
                 </a:solidFill>
@@ -3918,7 +3930,7 @@
               <a:t>:</a:t>
             </a:r>
             <a:r>
-              <a:rPr lang="en-US" dirty="0">
+              <a:rPr lang="en-US" sz="2000" dirty="0">
                 <a:solidFill>
                   <a:srgbClr val="C00000"/>
                 </a:solidFill>
@@ -3926,10 +3938,10 @@
               <a:t> </a:t>
             </a:r>
             <a:r>
-              <a:rPr lang="en-US" dirty="0"/>
+              <a:rPr lang="en-US" sz="2000" dirty="0"/>
               <a:t>Loads the website about to be scraped into HTML Document through the site’s URL </a:t>
             </a:r>
-            <a:endParaRPr lang="en-US" u="sng" dirty="0">
+            <a:endParaRPr lang="en-US" sz="2000" u="sng" dirty="0">
               <a:solidFill>
                 <a:srgbClr val="C00000"/>
               </a:solidFill>
@@ -3938,11 +3950,11 @@
           <a:p>
             <a:pPr lvl="1">
               <a:lnSpc>
-                <a:spcPct val="250000"/>
+                <a:spcPct val="200000"/>
               </a:lnSpc>
             </a:pPr>
             <a:r>
-              <a:rPr lang="en-US" b="1" u="sng" dirty="0">
+              <a:rPr lang="en-US" sz="2000" b="1" u="sng" dirty="0">
                 <a:solidFill>
                   <a:srgbClr val="C00000"/>
                 </a:solidFill>
@@ -3950,7 +3962,7 @@
               <a:t>ScrapingLogic</a:t>
             </a:r>
             <a:r>
-              <a:rPr lang="en-US" u="sng" dirty="0">
+              <a:rPr lang="en-US" sz="2000" u="sng" dirty="0">
                 <a:solidFill>
                   <a:srgbClr val="C00000"/>
                 </a:solidFill>
@@ -3958,7 +3970,7 @@
               <a:t>:</a:t>
             </a:r>
             <a:r>
-              <a:rPr lang="en-US" dirty="0">
+              <a:rPr lang="en-US" sz="2000" dirty="0">
                 <a:solidFill>
                   <a:srgbClr val="C00000"/>
                 </a:solidFill>
@@ -3966,10 +3978,10 @@
               <a:t> </a:t>
             </a:r>
             <a:r>
-              <a:rPr lang="en-US" dirty="0"/>
+              <a:rPr lang="en-US" sz="2000" dirty="0"/>
               <a:t>Handles the scraping of the data from the loaded Html Document and places them into a List</a:t>
             </a:r>
-            <a:endParaRPr lang="en-US" u="sng" dirty="0">
+            <a:endParaRPr lang="en-US" sz="2000" u="sng" dirty="0">
               <a:solidFill>
                 <a:srgbClr val="C00000"/>
               </a:solidFill>
@@ -3978,11 +3990,11 @@
           <a:p>
             <a:pPr lvl="1">
               <a:lnSpc>
-                <a:spcPct val="250000"/>
+                <a:spcPct val="200000"/>
               </a:lnSpc>
             </a:pPr>
             <a:r>
-              <a:rPr lang="en-US" b="1" u="sng" dirty="0">
+              <a:rPr lang="en-US" sz="2000" b="1" u="sng" dirty="0">
                 <a:solidFill>
                   <a:srgbClr val="C00000"/>
                 </a:solidFill>
@@ -3990,7 +4002,7 @@
               <a:t>CsvOutput</a:t>
             </a:r>
             <a:r>
-              <a:rPr lang="en-US" u="sng" dirty="0">
+              <a:rPr lang="en-US" sz="2000" u="sng" dirty="0">
                 <a:solidFill>
                   <a:srgbClr val="C00000"/>
                 </a:solidFill>
@@ -3998,10 +4010,10 @@
               <a:t>:</a:t>
             </a:r>
             <a:r>
-              <a:rPr lang="en-US" dirty="0"/>
+              <a:rPr lang="en-US" sz="2000" dirty="0"/>
               <a:t>  Exports the scraped data into a csv file, with the desired format.</a:t>
             </a:r>
-            <a:endParaRPr lang="en-US" u="sng" dirty="0">
+            <a:endParaRPr lang="en-US" sz="2000" u="sng" dirty="0">
               <a:solidFill>
                 <a:srgbClr val="C00000"/>
               </a:solidFill>
@@ -4724,27 +4736,7 @@
                   </a:schemeClr>
                 </a:solidFill>
               </a:rPr>
-              <a:t>any automated analytical technique aimed at analyzing text and data in digital form in order to generate </a:t>
-            </a:r>
-            <a:r>
-              <a:rPr lang="en-US">
-                <a:solidFill>
-                  <a:schemeClr val="accent1">
-                    <a:lumMod val="75000"/>
-                  </a:schemeClr>
-                </a:solidFill>
-              </a:rPr>
-              <a:t>information 	 	 which </a:t>
-            </a:r>
-            <a:r>
-              <a:rPr lang="en-US" dirty="0">
-                <a:solidFill>
-                  <a:schemeClr val="accent1">
-                    <a:lumMod val="75000"/>
-                  </a:schemeClr>
-                </a:solidFill>
-              </a:rPr>
-              <a:t>includes, but is not limited to, patterns, trends and correlations</a:t>
+              <a:t>any automated analytical technique aimed at analyzing text and data in digital form in order to generate information 	 	 which includes, but is not limited to, patterns, trends and correlations</a:t>
             </a:r>
             <a:r>
               <a:rPr lang="en-US" dirty="0"/>
@@ -4867,7 +4859,7 @@
         <p:spPr>
           <a:xfrm>
             <a:off x="0" y="2032000"/>
-            <a:ext cx="6096000" cy="3293209"/>
+            <a:ext cx="6096000" cy="3693319"/>
           </a:xfrm>
           <a:prstGeom prst="rect">
             <a:avLst/>
@@ -4881,18 +4873,18 @@
           <a:lstStyle/>
           <a:p>
             <a:r>
-              <a:rPr lang="en-US" sz="1600" b="1" dirty="0"/>
+              <a:rPr lang="en-US" b="1" dirty="0"/>
               <a:t>Web scraping(w.s)</a:t>
             </a:r>
             <a:r>
-              <a:rPr lang="en-US" sz="1600" dirty="0"/>
+              <a:rPr lang="en-US" dirty="0"/>
               <a:t> is a data gathering technique used for extracting information from websites. Web scraping software may directly access one or multiple websites to gather valuable, publicly available information for commercial or research purposes. It is a form of copying in which specific data is gathered and copied from the web, typically into a central local database or spreadsheet, for later retrieval or analysis.</a:t>
             </a:r>
           </a:p>
           <a:p>
             <a:r>
-              <a:rPr lang="en-US" sz="1600" dirty="0"/>
-              <a:t>Web scrapers typically take something out of a page, to make use of it for another purpose somewhere else. There are 3 main scraping methods:</a:t>
+              <a:rPr lang="en-US" dirty="0"/>
+              <a:t>Web scrapers typically take something out of a page, to make use of it for another purpose. There are 3 main scraping methods:</a:t>
             </a:r>
           </a:p>
           <a:p>
@@ -4901,7 +4893,7 @@
               <a:buAutoNum type="arabicPeriod"/>
             </a:pPr>
             <a:r>
-              <a:rPr lang="en-US" sz="1600" dirty="0"/>
+              <a:rPr lang="en-US" dirty="0"/>
               <a:t>Screen scraping </a:t>
             </a:r>
           </a:p>
@@ -4911,7 +4903,7 @@
               <a:buAutoNum type="arabicPeriod"/>
             </a:pPr>
             <a:r>
-              <a:rPr lang="en-US" sz="1600" dirty="0"/>
+              <a:rPr lang="en-US" dirty="0"/>
               <a:t>Dynamic Scraping </a:t>
             </a:r>
           </a:p>
@@ -4921,7 +4913,7 @@
               <a:buAutoNum type="arabicPeriod"/>
             </a:pPr>
             <a:r>
-              <a:rPr lang="en-US" sz="1600" dirty="0">
+              <a:rPr lang="en-US" dirty="0">
                 <a:solidFill>
                   <a:srgbClr val="C00000"/>
                 </a:solidFill>
@@ -4929,7 +4921,7 @@
               <a:t>Static scraping </a:t>
             </a:r>
             <a:r>
-              <a:rPr lang="en-US" sz="1600" dirty="0">
+              <a:rPr lang="en-US" dirty="0">
                 <a:solidFill>
                   <a:srgbClr val="C00000"/>
                 </a:solidFill>
@@ -4937,7 +4929,7 @@
               </a:rPr>
               <a:t> our case</a:t>
             </a:r>
-            <a:endParaRPr lang="en-US" sz="1600" dirty="0">
+            <a:endParaRPr lang="en-US" dirty="0">
               <a:solidFill>
                 <a:srgbClr val="C00000"/>
               </a:solidFill>
@@ -4960,7 +4952,7 @@
         <p:spPr>
           <a:xfrm>
             <a:off x="6096000" y="1571229"/>
-            <a:ext cx="5642707" cy="4308872"/>
+            <a:ext cx="5642707" cy="5078313"/>
           </a:xfrm>
           <a:prstGeom prst="rect">
             <a:avLst/>
@@ -4992,22 +4984,14 @@
           </a:p>
           <a:p>
             <a:r>
-              <a:rPr lang="en-US" sz="1600" dirty="0"/>
-              <a:t>Static web scraping involves the gathering of static elements of a website, like tables or plain text. It is a the most basic form of web scraping, since the elements do not change with user activity or events and popups.</a:t>
-            </a:r>
-          </a:p>
-          <a:p>
-            <a:r>
-              <a:rPr lang="en-US" sz="1600" dirty="0"/>
-              <a:t>It involves all the same procedures as any other form of </a:t>
-            </a:r>
-            <a:r>
-              <a:rPr lang="en-US" sz="1600" dirty="0" err="1"/>
-              <a:t>w.s</a:t>
-            </a:r>
-            <a:r>
-              <a:rPr lang="en-US" sz="1600" dirty="0"/>
-              <a:t>:</a:t>
+              <a:rPr lang="en-US" dirty="0"/>
+              <a:t>Static web scraping involves the gathering of static elements of a website, like tables or plain text. It is the most basic form of web scraping, since the elements do not change with user activity or events and popups.</a:t>
+            </a:r>
+          </a:p>
+          <a:p>
+            <a:r>
+              <a:rPr lang="en-US" dirty="0"/>
+              <a:t>It involves…</a:t>
             </a:r>
           </a:p>
           <a:p>
@@ -5016,11 +5000,11 @@
               <a:buChar char="•"/>
             </a:pPr>
             <a:r>
-              <a:rPr lang="en-US" sz="1600" dirty="0"/>
+              <a:rPr lang="en-US" dirty="0"/>
               <a:t>First, we </a:t>
             </a:r>
             <a:r>
-              <a:rPr lang="en-US" sz="1600" dirty="0">
+              <a:rPr lang="en-US" dirty="0">
                 <a:solidFill>
                   <a:srgbClr val="C00000"/>
                 </a:solidFill>
@@ -5028,7 +5012,7 @@
               <a:t>fetch</a:t>
             </a:r>
             <a:r>
-              <a:rPr lang="en-US" sz="1600" dirty="0"/>
+              <a:rPr lang="en-US" dirty="0"/>
               <a:t> a website through its URL</a:t>
             </a:r>
           </a:p>
@@ -5038,11 +5022,11 @@
               <a:buChar char="•"/>
             </a:pPr>
             <a:r>
-              <a:rPr lang="en-US" sz="1600" dirty="0"/>
+              <a:rPr lang="en-US" dirty="0"/>
               <a:t>Second, we </a:t>
             </a:r>
             <a:r>
-              <a:rPr lang="en-US" sz="1600" dirty="0">
+              <a:rPr lang="en-US" dirty="0">
                 <a:solidFill>
                   <a:srgbClr val="C00000"/>
                 </a:solidFill>
@@ -5050,7 +5034,7 @@
               <a:t>load</a:t>
             </a:r>
             <a:r>
-              <a:rPr lang="en-US" sz="1600" dirty="0"/>
+              <a:rPr lang="en-US" dirty="0"/>
               <a:t> it into an Html Document, which is an appropriate form for the scraping to take place</a:t>
             </a:r>
           </a:p>
@@ -5060,11 +5044,11 @@
               <a:buChar char="•"/>
             </a:pPr>
             <a:r>
-              <a:rPr lang="en-US" sz="1600" dirty="0"/>
+              <a:rPr lang="en-US" dirty="0"/>
               <a:t>We select via </a:t>
             </a:r>
             <a:r>
-              <a:rPr lang="en-US" sz="1600" dirty="0">
+              <a:rPr lang="en-US" dirty="0">
                 <a:solidFill>
                   <a:srgbClr val="C00000"/>
                 </a:solidFill>
@@ -5072,7 +5056,7 @@
               <a:t>Xpath signature</a:t>
             </a:r>
             <a:r>
-              <a:rPr lang="en-US" sz="1600" dirty="0"/>
+              <a:rPr lang="en-US" dirty="0"/>
               <a:t>, the particular element we want to gather data from</a:t>
             </a:r>
           </a:p>
@@ -5082,7 +5066,7 @@
               <a:buChar char="•"/>
             </a:pPr>
             <a:r>
-              <a:rPr lang="en-US" sz="1600" dirty="0">
+              <a:rPr lang="en-US" dirty="0">
                 <a:solidFill>
                   <a:srgbClr val="C00000"/>
                 </a:solidFill>
@@ -5090,7 +5074,7 @@
               <a:t>Perform the scraping </a:t>
             </a:r>
             <a:r>
-              <a:rPr lang="en-US" sz="1600" dirty="0"/>
+              <a:rPr lang="en-US" dirty="0"/>
               <a:t>and gathering of the data into an appropriate data structure (e.g. List)</a:t>
             </a:r>
           </a:p>
@@ -5100,7 +5084,7 @@
               <a:buChar char="•"/>
             </a:pPr>
             <a:r>
-              <a:rPr lang="en-US" sz="1600" dirty="0">
+              <a:rPr lang="en-US" dirty="0">
                 <a:solidFill>
                   <a:srgbClr val="C00000"/>
                 </a:solidFill>
@@ -5108,7 +5092,7 @@
               <a:t>Export the results</a:t>
             </a:r>
             <a:r>
-              <a:rPr lang="en-US" sz="1600" dirty="0"/>
+              <a:rPr lang="en-US" dirty="0"/>
               <a:t> of the process, formatted or not, into a file format of your choice (e.g a Csv file) or a database.</a:t>
             </a:r>
           </a:p>
@@ -5117,7 +5101,7 @@
               <a:buFont typeface="Arial" panose="020B0604020202020204" pitchFamily="34" charset="0"/>
               <a:buChar char="•"/>
             </a:pPr>
-            <a:endParaRPr lang="en-US" sz="1400" dirty="0"/>
+            <a:endParaRPr lang="en-US" dirty="0"/>
           </a:p>
         </p:txBody>
       </p:sp>
@@ -5228,8 +5212,8 @@
         </p:blipFill>
         <p:spPr>
           <a:xfrm>
-            <a:off x="8548088" y="1443862"/>
-            <a:ext cx="3518865" cy="2313061"/>
+            <a:off x="8417170" y="1443862"/>
+            <a:ext cx="3649783" cy="2313061"/>
           </a:xfrm>
           <a:prstGeom prst="rect">
             <a:avLst/>
@@ -5299,8 +5283,8 @@
         </p:blipFill>
         <p:spPr>
           <a:xfrm>
-            <a:off x="8548089" y="3688862"/>
-            <a:ext cx="3518864" cy="2711938"/>
+            <a:off x="8417170" y="3688862"/>
+            <a:ext cx="3649783" cy="2711938"/>
           </a:xfrm>
           <a:prstGeom prst="rect">
             <a:avLst/>
@@ -5337,7 +5321,7 @@
           <a:p>
             <a:r>
               <a:rPr lang="en-US" dirty="0"/>
-              <a:t>(Left)The website I chose to collect data from is called </a:t>
+              <a:t>(Left)The website I collected data from is called </a:t>
             </a:r>
             <a:r>
               <a:rPr lang="en-US" dirty="0">
@@ -5541,7 +5525,7 @@
           <a:p>
             <a:r>
               <a:rPr lang="en-US" dirty="0"/>
-              <a:t>The vast majority of the data inputs required for the implementation of the service is handled and passed through the </a:t>
+              <a:t>The vast majority of the data inputs required for the implementation of the service, is handled and passed through the </a:t>
             </a:r>
             <a:r>
               <a:rPr lang="en-US" dirty="0">
@@ -5670,8 +5654,8 @@
         </p:nvSpPr>
         <p:spPr>
           <a:xfrm>
-            <a:off x="171939" y="1767006"/>
-            <a:ext cx="4994031" cy="2739211"/>
+            <a:off x="171939" y="1699894"/>
+            <a:ext cx="11690093" cy="2031325"/>
           </a:xfrm>
           <a:prstGeom prst="rect">
             <a:avLst/>
@@ -5685,11 +5669,11 @@
           <a:lstStyle/>
           <a:p>
             <a:r>
-              <a:rPr lang="en-US" sz="1600" dirty="0"/>
+              <a:rPr lang="en-US" dirty="0"/>
               <a:t>The project was accomplished with the use of a </a:t>
             </a:r>
             <a:r>
-              <a:rPr lang="en-US" sz="1600" dirty="0">
+              <a:rPr lang="en-US" dirty="0">
                 <a:solidFill>
                   <a:srgbClr val="C00000"/>
                 </a:solidFill>
@@ -5697,21 +5681,21 @@
               <a:t>worker service </a:t>
             </a:r>
             <a:r>
-              <a:rPr lang="en-US" sz="1600" dirty="0"/>
-              <a:t>(from Visual Studio template files). A timer  is present to enforce the running interval of the service and it runs continuously in the background. After confirming its correct running, through testing, the service was published in a local folder.</a:t>
-            </a:r>
-          </a:p>
-          <a:p>
-            <a:r>
-              <a:rPr lang="en-US" sz="1600" dirty="0"/>
-              <a:t>Then, after registering the project as a windows service, I had it running continuously as a background service through the Windows “Services” capability.  </a:t>
-            </a:r>
-          </a:p>
-          <a:p>
-            <a:endParaRPr lang="en-US" sz="1400" dirty="0"/>
-          </a:p>
-          <a:p>
-            <a:endParaRPr lang="el-GR" sz="1400" dirty="0"/>
+              <a:rPr lang="en-US" dirty="0"/>
+              <a:t>(from Visual Studio template files). A timer  is present to enforce the running interval of the service and it runs continuously in the background. After confirming its functioning as intended through testing, the service was published in a local folder.</a:t>
+            </a:r>
+          </a:p>
+          <a:p>
+            <a:r>
+              <a:rPr lang="en-US" dirty="0"/>
+              <a:t>Then, after registering the project as a Windows service, I had it running continuously at the background through the Windows “Services” capability.  </a:t>
+            </a:r>
+          </a:p>
+          <a:p>
+            <a:endParaRPr lang="en-US" dirty="0"/>
+          </a:p>
+          <a:p>
+            <a:endParaRPr lang="el-GR" dirty="0"/>
           </a:p>
         </p:txBody>
       </p:sp>
@@ -5729,8 +5713,8 @@
         </p:nvSpPr>
         <p:spPr>
           <a:xfrm>
-            <a:off x="78155" y="4506217"/>
-            <a:ext cx="5924061" cy="1569660"/>
+            <a:off x="171938" y="3600206"/>
+            <a:ext cx="11690093" cy="923330"/>
           </a:xfrm>
           <a:prstGeom prst="rect">
             <a:avLst/>
@@ -5744,11 +5728,11 @@
           <a:lstStyle/>
           <a:p>
             <a:r>
-              <a:rPr lang="en-US" sz="1600" dirty="0"/>
+              <a:rPr lang="en-US" dirty="0"/>
               <a:t>For </a:t>
             </a:r>
             <a:r>
-              <a:rPr lang="en-US" sz="1600" dirty="0">
+              <a:rPr lang="en-US" dirty="0">
                 <a:solidFill>
                   <a:srgbClr val="C00000"/>
                 </a:solidFill>
@@ -5756,53 +5740,13 @@
               <a:t>logging purposes, Serilog</a:t>
             </a:r>
             <a:r>
-              <a:rPr lang="en-US" sz="1600" dirty="0"/>
-              <a:t> and its complimentary packages were used, bypassing the default Visual Studio console logging capacities. The Logger, exports its messages into a simple “.txt” file and it ensures better debugging and understanding of the progress of the service. To the right, is the setup of the Logger, in 2 environments, DEBUG and RELEASE</a:t>
-            </a:r>
-            <a:r>
-              <a:rPr lang="en-US" sz="1400" dirty="0"/>
-              <a:t>.</a:t>
-            </a:r>
-            <a:endParaRPr lang="el-GR" sz="1400" dirty="0"/>
-          </a:p>
-        </p:txBody>
-      </p:sp>
-      <p:pic>
-        <p:nvPicPr>
-          <p:cNvPr id="6" name="Picture 5">
-            <a:extLst>
-              <a:ext uri="{FF2B5EF4-FFF2-40B4-BE49-F238E27FC236}">
-                <a16:creationId xmlns:a16="http://schemas.microsoft.com/office/drawing/2014/main" id="{E6F79704-370C-4C56-993D-73F1574526DC}"/>
-              </a:ext>
-            </a:extLst>
-          </p:cNvPr>
-          <p:cNvPicPr>
-            <a:picLocks noChangeAspect="1"/>
-          </p:cNvPicPr>
-          <p:nvPr/>
-        </p:nvPicPr>
-        <p:blipFill>
-          <a:blip r:embed="rId2">
-            <a:extLst>
-              <a:ext uri="{28A0092B-C50C-407E-A947-70E740481C1C}">
-                <a14:useLocalDpi xmlns:a14="http://schemas.microsoft.com/office/drawing/2010/main" val="0"/>
-              </a:ext>
-            </a:extLst>
-          </a:blip>
-          <a:stretch>
-            <a:fillRect/>
-          </a:stretch>
-        </p:blipFill>
-        <p:spPr>
-          <a:xfrm>
-            <a:off x="6189785" y="1767006"/>
-            <a:ext cx="5830276" cy="4618163"/>
-          </a:xfrm>
-          <a:prstGeom prst="rect">
-            <a:avLst/>
-          </a:prstGeom>
-        </p:spPr>
-      </p:pic>
+              <a:rPr lang="en-US" dirty="0"/>
+              <a:t> and its complimentary packages were used, instead of the Visual Studio console logging capacities. The Logger, exports its messages into a simple “.txt” file and it ensures better debugging and understanding of the progress of the service. It reports messages in when both when things go well or fail.</a:t>
+            </a:r>
+            <a:endParaRPr lang="el-GR" dirty="0"/>
+          </a:p>
+        </p:txBody>
+      </p:sp>
     </p:spTree>
     <p:extLst>
       <p:ext uri="{BB962C8B-B14F-4D97-AF65-F5344CB8AC3E}">
@@ -6092,7 +6036,7 @@
           <a:p>
             <a:r>
               <a:rPr lang="en-US" dirty="0"/>
-              <a:t>The other 2 output files that the app produces are 2 separate .csv files in the current working directory, titled “Mgo.csv” and “Vlsfo.csv”. They contain the scraped data that we gathered and are updated every time the worker service running interval is reached.  Below is a snippet from both of the files.</a:t>
+              <a:t>The other 2 output files that the app produces are 2 separate .csv files in the current working directory, titled “Mgo.csv” and “Vlsfo.csv”. They contain the scraped data that we gathered and are updated every time the worker service execution interval is reached. </a:t>
             </a:r>
             <a:endParaRPr lang="el-GR" dirty="0"/>
           </a:p>
@@ -6228,7 +6172,7 @@
         <p:spPr>
           <a:xfrm>
             <a:off x="125046" y="1828799"/>
-            <a:ext cx="11769969" cy="4154984"/>
+            <a:ext cx="11769969" cy="4216539"/>
           </a:xfrm>
           <a:prstGeom prst="rect">
             <a:avLst/>
@@ -6243,11 +6187,11 @@
           <a:p>
             <a:pPr algn="just"/>
             <a:r>
-              <a:rPr lang="en-US" sz="1600" dirty="0"/>
+              <a:rPr lang="en-US" sz="2000" dirty="0"/>
               <a:t>The </a:t>
             </a:r>
             <a:r>
-              <a:rPr lang="en-US" sz="1600" dirty="0">
+              <a:rPr lang="en-US" sz="2000" dirty="0">
                 <a:solidFill>
                   <a:srgbClr val="C00000"/>
                 </a:solidFill>
@@ -6255,7 +6199,7 @@
               <a:t>business requirements</a:t>
             </a:r>
             <a:r>
-              <a:rPr lang="en-US" sz="1600" dirty="0"/>
+              <a:rPr lang="en-US" sz="2000" dirty="0"/>
               <a:t> for this project are stated below. </a:t>
             </a:r>
           </a:p>
@@ -6273,7 +6217,19 @@
             </a:pPr>
             <a:r>
               <a:rPr lang="en-US" dirty="0"/>
-              <a:t>The app. must have the capacity to run in the background as a Windows Service .</a:t>
+              <a:t>The application must have the capacity to run in the background as a </a:t>
+            </a:r>
+            <a:r>
+              <a:rPr lang="en-US" dirty="0">
+                <a:solidFill>
+                  <a:srgbClr val="C00000"/>
+                </a:solidFill>
+              </a:rPr>
+              <a:t>Windows Service</a:t>
+            </a:r>
+            <a:r>
+              <a:rPr lang="en-US" dirty="0"/>
+              <a:t> .</a:t>
             </a:r>
           </a:p>
           <a:p>
@@ -6286,7 +6242,19 @@
             </a:pPr>
             <a:r>
               <a:rPr lang="en-US" dirty="0"/>
-              <a:t>It should be collecting and refreshing when changes happen, the 2 aforementioned </a:t>
+              <a:t>It should be </a:t>
+            </a:r>
+            <a:r>
+              <a:rPr lang="en-US" dirty="0">
+                <a:solidFill>
+                  <a:srgbClr val="C00000"/>
+                </a:solidFill>
+              </a:rPr>
+              <a:t>collecting and refreshing</a:t>
+            </a:r>
+            <a:r>
+              <a:rPr lang="en-US" dirty="0"/>
+              <a:t> its output, when changes happen to the 2 aforementioned </a:t>
             </a:r>
             <a:r>
               <a:rPr lang="en-US" dirty="0">
@@ -6306,7 +6274,7 @@
             </a:r>
             <a:r>
               <a:rPr lang="en-US" dirty="0"/>
-              <a:t> global average prices from the </a:t>
+              <a:t> global average prices tables from the </a:t>
             </a:r>
             <a:r>
               <a:rPr lang="en-US" dirty="0">
@@ -6329,7 +6297,31 @@
             </a:pPr>
             <a:r>
               <a:rPr lang="en-US" dirty="0"/>
-              <a:t>It should be scraping the columns “Date, Price $/mt, High, Low” from those tables and store the data in the form of 2 separate csv files.</a:t>
+              <a:t>It should be scraping the columns </a:t>
+            </a:r>
+            <a:r>
+              <a:rPr lang="en-US" dirty="0">
+                <a:solidFill>
+                  <a:srgbClr val="C00000"/>
+                </a:solidFill>
+              </a:rPr>
+              <a:t>“Date, Price $/mt, High, Low” </a:t>
+            </a:r>
+            <a:r>
+              <a:rPr lang="en-US" dirty="0"/>
+              <a:t>from those tables and store the data in the form of 2 separate </a:t>
+            </a:r>
+            <a:r>
+              <a:rPr lang="en-US" dirty="0">
+                <a:solidFill>
+                  <a:srgbClr val="C00000"/>
+                </a:solidFill>
+              </a:rPr>
+              <a:t>csv files</a:t>
+            </a:r>
+            <a:r>
+              <a:rPr lang="en-US" dirty="0"/>
+              <a:t>.</a:t>
             </a:r>
           </a:p>
           <a:p>
@@ -6342,7 +6334,19 @@
             </a:pPr>
             <a:r>
               <a:rPr lang="en-US" dirty="0"/>
-              <a:t>The “Date” column’s data must be formatted to be exhibited in the ISO time Format.</a:t>
+              <a:t>The “Date” column’s data must be formatted to be exhibited in the </a:t>
+            </a:r>
+            <a:r>
+              <a:rPr lang="en-US" dirty="0">
+                <a:solidFill>
+                  <a:srgbClr val="C00000"/>
+                </a:solidFill>
+              </a:rPr>
+              <a:t>ISO time Format</a:t>
+            </a:r>
+            <a:r>
+              <a:rPr lang="en-US" dirty="0"/>
+              <a:t>.</a:t>
             </a:r>
           </a:p>
           <a:p>
@@ -6355,7 +6359,19 @@
             </a:pPr>
             <a:r>
               <a:rPr lang="en-US" dirty="0"/>
-              <a:t>The scraping should be happening in a 30 minute interval between the allotted time span.</a:t>
+              <a:t>The scraping should be happening in a </a:t>
+            </a:r>
+            <a:r>
+              <a:rPr lang="en-US" dirty="0">
+                <a:solidFill>
+                  <a:srgbClr val="C00000"/>
+                </a:solidFill>
+              </a:rPr>
+              <a:t>30 minute interval</a:t>
+            </a:r>
+            <a:r>
+              <a:rPr lang="en-US" dirty="0"/>
+              <a:t> between the allotted time span.</a:t>
             </a:r>
           </a:p>
           <a:p>
@@ -6368,7 +6384,19 @@
             </a:pPr>
             <a:r>
               <a:rPr lang="en-US" dirty="0"/>
-              <a:t>The running period of the service should be between 9:30 and 21:30 in UTC time format, from Monday to Friday.</a:t>
+              <a:t>The </a:t>
+            </a:r>
+            <a:r>
+              <a:rPr lang="en-US" dirty="0">
+                <a:solidFill>
+                  <a:srgbClr val="C00000"/>
+                </a:solidFill>
+              </a:rPr>
+              <a:t>running period </a:t>
+            </a:r>
+            <a:r>
+              <a:rPr lang="en-US" dirty="0"/>
+              <a:t>of the service should be between 9:30 and 21:30 in UTC time format, from Monday to Friday.</a:t>
             </a:r>
           </a:p>
           <a:p>
@@ -6474,7 +6502,7 @@
         <p:spPr>
           <a:xfrm>
             <a:off x="1" y="1828799"/>
-            <a:ext cx="3634154" cy="2762551"/>
+            <a:ext cx="3634154" cy="3470437"/>
           </a:xfrm>
           <a:prstGeom prst="rect">
             <a:avLst/>
@@ -6493,13 +6521,13 @@
               <a:t> </a:t>
             </a:r>
             <a:r>
-              <a:rPr lang="en-US" sz="1600" u="sng" dirty="0"/>
+              <a:rPr lang="en-US" u="sng" dirty="0"/>
               <a:t>Points of interest</a:t>
             </a:r>
           </a:p>
           <a:p>
             <a:pPr algn="just"/>
-            <a:endParaRPr lang="en-US" sz="1600" u="sng" dirty="0"/>
+            <a:endParaRPr lang="en-US" u="sng" dirty="0"/>
           </a:p>
           <a:p>
             <a:pPr marL="285750" indent="-285750" algn="just">
@@ -6510,7 +6538,7 @@
               <a:buChar char="•"/>
             </a:pPr>
             <a:r>
-              <a:rPr lang="en-US" sz="1600" dirty="0"/>
+              <a:rPr lang="en-US" dirty="0"/>
               <a:t>The ValidRunning Time condition for running the process </a:t>
             </a:r>
           </a:p>
@@ -6523,7 +6551,7 @@
               <a:buChar char="•"/>
             </a:pPr>
             <a:r>
-              <a:rPr lang="en-US" sz="1600" dirty="0"/>
+              <a:rPr lang="en-US" dirty="0"/>
               <a:t>The 3 processes in the rectangle that handle the scraping operation</a:t>
             </a:r>
           </a:p>
@@ -6536,7 +6564,7 @@
               <a:buChar char="•"/>
             </a:pPr>
             <a:r>
-              <a:rPr lang="en-US" sz="1600" dirty="0"/>
+              <a:rPr lang="en-US" dirty="0"/>
               <a:t>The 3 output documents </a:t>
             </a:r>
           </a:p>
@@ -6556,10 +6584,10 @@
       </p:sp>
       <p:pic>
         <p:nvPicPr>
-          <p:cNvPr id="4" name="Picture 3">
+          <p:cNvPr id="5" name="Picture 4">
             <a:extLst>
               <a:ext uri="{FF2B5EF4-FFF2-40B4-BE49-F238E27FC236}">
-                <a16:creationId xmlns:a16="http://schemas.microsoft.com/office/drawing/2014/main" id="{F11D6614-BA03-4FFF-9E9D-D11581551EA7}"/>
+                <a16:creationId xmlns:a16="http://schemas.microsoft.com/office/drawing/2014/main" id="{1F1507BB-750F-45AC-A5F5-5B0F189B4D3C}"/>
               </a:ext>
             </a:extLst>
           </p:cNvPr>
@@ -6582,8 +6610,8 @@
         </p:blipFill>
         <p:spPr>
           <a:xfrm>
-            <a:off x="4001477" y="500185"/>
-            <a:ext cx="7659077" cy="5689600"/>
+            <a:off x="4157696" y="0"/>
+            <a:ext cx="7933635" cy="6199464"/>
           </a:xfrm>
           <a:prstGeom prst="rect">
             <a:avLst/>
